--- a/3D Reconstruction of Notre Dame Cathedral.pptx
+++ b/3D Reconstruction of Notre Dame Cathedral.pptx
@@ -15,7 +15,11 @@
     <p:sldId id="264" r:id="rId9"/>
     <p:sldId id="265" r:id="rId10"/>
     <p:sldId id="266" r:id="rId11"/>
-    <p:sldId id="261" r:id="rId12"/>
+    <p:sldId id="267" r:id="rId12"/>
+    <p:sldId id="268" r:id="rId13"/>
+    <p:sldId id="270" r:id="rId14"/>
+    <p:sldId id="269" r:id="rId15"/>
+    <p:sldId id="261" r:id="rId16"/>
   </p:sldIdLst>
   <p:sldSz cx="12192000" cy="6858000"/>
   <p:notesSz cx="6858000" cy="9144000"/>
@@ -7149,8 +7153,8 @@
         </p:nvSpPr>
         <p:spPr>
           <a:xfrm>
-            <a:off x="1097280" y="1845733"/>
-            <a:ext cx="10058400" cy="4336125"/>
+            <a:off x="1097279" y="1845733"/>
+            <a:ext cx="10983103" cy="4336125"/>
           </a:xfrm>
         </p:spPr>
         <p:txBody>
@@ -7169,9 +7173,74 @@
             </a:r>
             <a:r>
               <a:rPr lang="en-US" sz="1900" dirty="0" smtClean="0"/>
-              <a:t> lets you add the key points you want to match for achieving Sparse Reconstruction. Let’s try to a simple Flann or Brute Force Matcher on the images.</a:t>
-            </a:r>
-            <a:endParaRPr lang="en-US" sz="1600" dirty="0"/>
+              <a:t> lets you add the key points you want to match for achieving Sparse Reconstruction. Let’s try to a simple Flann or Brute Force Matcher on the images. You have to input the 0-based feature indices for customized matching. The inlier condition of greater than 10 is used.</a:t>
+            </a:r>
+          </a:p>
+          <a:p>
+            <a:pPr lvl="1"/>
+            <a:r>
+              <a:rPr lang="en-US" sz="2000" dirty="0" smtClean="0"/>
+              <a:t>4 </a:t>
+            </a:r>
+            <a:r>
+              <a:rPr lang="en-US" sz="2000" dirty="0"/>
+              <a:t>cameras used for reconstruction</a:t>
+            </a:r>
+          </a:p>
+          <a:p>
+            <a:pPr lvl="1"/>
+            <a:r>
+              <a:rPr lang="en-US" sz="2000" dirty="0"/>
+              <a:t>Total </a:t>
+            </a:r>
+            <a:r>
+              <a:rPr lang="en-US" sz="2000" dirty="0" smtClean="0"/>
+              <a:t>1358 </a:t>
+            </a:r>
+            <a:r>
+              <a:rPr lang="en-US" sz="2000" dirty="0"/>
+              <a:t>3D vertices generated after Dense </a:t>
+            </a:r>
+            <a:r>
+              <a:rPr lang="en-US" sz="2000" dirty="0" smtClean="0"/>
+              <a:t>Reconstruction</a:t>
+            </a:r>
+          </a:p>
+          <a:p>
+            <a:pPr marL="201168" lvl="1" indent="0">
+              <a:buNone/>
+            </a:pPr>
+            <a:r>
+              <a:rPr lang="en-US" sz="2000" dirty="0" smtClean="0"/>
+              <a:t>Therefore, there is not much difference and the multithreaded feature matching</a:t>
+            </a:r>
+          </a:p>
+          <a:p>
+            <a:pPr marL="201168" lvl="1" indent="0">
+              <a:buNone/>
+            </a:pPr>
+            <a:r>
+              <a:rPr lang="en-US" sz="2000" dirty="0"/>
+              <a:t>o</a:t>
+            </a:r>
+            <a:r>
+              <a:rPr lang="en-US" sz="2000" dirty="0" smtClean="0"/>
+              <a:t>f </a:t>
+            </a:r>
+            <a:r>
+              <a:rPr lang="en-US" sz="2000" dirty="0" err="1" smtClean="0"/>
+              <a:t>VisualSFM</a:t>
+            </a:r>
+            <a:r>
+              <a:rPr lang="en-US" sz="2000" dirty="0" smtClean="0"/>
+              <a:t> proves to be better and faster.  </a:t>
+            </a:r>
+          </a:p>
+          <a:p>
+            <a:pPr marL="201168" lvl="1" indent="0">
+              <a:buNone/>
+            </a:pPr>
+            <a:endParaRPr lang="en-US" sz="1900" dirty="0" smtClean="0"/>
           </a:p>
           <a:p>
             <a:pPr marL="201168" lvl="1" indent="0">
@@ -7183,6 +7252,12 @@
             <a:pPr marL="201168" lvl="1" indent="0">
               <a:buNone/>
             </a:pPr>
+            <a:endParaRPr lang="en-US" sz="1600" dirty="0"/>
+          </a:p>
+          <a:p>
+            <a:pPr marL="201168" lvl="1" indent="0">
+              <a:buNone/>
+            </a:pPr>
             <a:endParaRPr lang="en-US" sz="1600" dirty="0" smtClean="0"/>
           </a:p>
           <a:p>
@@ -7196,6 +7271,30 @@
           </a:p>
         </p:txBody>
       </p:sp>
+      <p:pic>
+        <p:nvPicPr>
+          <p:cNvPr id="4" name="Picture 3"/>
+          <p:cNvPicPr>
+            <a:picLocks noChangeAspect="1"/>
+          </p:cNvPicPr>
+          <p:nvPr/>
+        </p:nvPicPr>
+        <p:blipFill>
+          <a:blip r:embed="rId2"/>
+          <a:stretch>
+            <a:fillRect/>
+          </a:stretch>
+        </p:blipFill>
+        <p:spPr>
+          <a:xfrm>
+            <a:off x="9741373" y="2738954"/>
+            <a:ext cx="1167033" cy="1152625"/>
+          </a:xfrm>
+          <a:prstGeom prst="rect">
+            <a:avLst/>
+          </a:prstGeom>
+        </p:spPr>
+      </p:pic>
     </p:spTree>
     <p:extLst>
       <p:ext uri="{BB962C8B-B14F-4D97-AF65-F5344CB8AC3E}">
@@ -7217,6 +7316,1257 @@
 </file>
 
 <file path=ppt/slides/slide11.xml><?xml version="1.0" encoding="utf-8"?>
+<p:sld xmlns:a="http://schemas.openxmlformats.org/drawingml/2006/main" xmlns:r="http://schemas.openxmlformats.org/officeDocument/2006/relationships" xmlns:p="http://schemas.openxmlformats.org/presentationml/2006/main">
+  <p:cSld>
+    <p:spTree>
+      <p:nvGrpSpPr>
+        <p:cNvPr id="1" name=""/>
+        <p:cNvGrpSpPr/>
+        <p:nvPr/>
+      </p:nvGrpSpPr>
+      <p:grpSpPr>
+        <a:xfrm>
+          <a:off x="0" y="0"/>
+          <a:ext cx="0" cy="0"/>
+          <a:chOff x="0" y="0"/>
+          <a:chExt cx="0" cy="0"/>
+        </a:xfrm>
+      </p:grpSpPr>
+      <p:sp>
+        <p:nvSpPr>
+          <p:cNvPr id="2" name="Title 1"/>
+          <p:cNvSpPr>
+            <a:spLocks noGrp="1"/>
+          </p:cNvSpPr>
+          <p:nvPr>
+            <p:ph type="title"/>
+          </p:nvPr>
+        </p:nvSpPr>
+        <p:spPr/>
+        <p:txBody>
+          <a:bodyPr/>
+          <a:lstStyle/>
+          <a:p>
+            <a:r>
+              <a:rPr lang="en-US" dirty="0" smtClean="0"/>
+              <a:t>Attempt </a:t>
+            </a:r>
+            <a:r>
+              <a:rPr lang="en-US" dirty="0" smtClean="0"/>
+              <a:t>2 - Continued</a:t>
+            </a:r>
+            <a:endParaRPr lang="en-US" dirty="0"/>
+          </a:p>
+        </p:txBody>
+      </p:sp>
+      <p:sp>
+        <p:nvSpPr>
+          <p:cNvPr id="3" name="Content Placeholder 2"/>
+          <p:cNvSpPr>
+            <a:spLocks noGrp="1"/>
+          </p:cNvSpPr>
+          <p:nvPr>
+            <p:ph idx="1"/>
+          </p:nvPr>
+        </p:nvSpPr>
+        <p:spPr>
+          <a:xfrm>
+            <a:off x="1097279" y="1845733"/>
+            <a:ext cx="10983103" cy="4336125"/>
+          </a:xfrm>
+        </p:spPr>
+        <p:txBody>
+          <a:bodyPr>
+            <a:normAutofit/>
+          </a:bodyPr>
+          <a:lstStyle/>
+          <a:p>
+            <a:pPr lvl="1">
+              <a:buFont typeface="Wingdings" panose="05000000000000000000" pitchFamily="2" charset="2"/>
+              <a:buChar char="§"/>
+            </a:pPr>
+            <a:r>
+              <a:rPr lang="en-US" sz="2000" dirty="0"/>
+              <a:t>Now to increase the data size I use Laplacian Pyramid to upscale the image and then I flip it to obtain it’s mirror image. This is a common technique (mirroring of image) used to train Active Appearance Models with more sets</a:t>
+            </a:r>
+            <a:r>
+              <a:rPr lang="en-US" sz="2000" dirty="0" smtClean="0"/>
+              <a:t>.</a:t>
+            </a:r>
+          </a:p>
+          <a:p>
+            <a:pPr lvl="1"/>
+            <a:r>
+              <a:rPr lang="en-US" sz="2000" dirty="0" smtClean="0"/>
+              <a:t>29 </a:t>
+            </a:r>
+            <a:r>
+              <a:rPr lang="en-US" sz="2000" dirty="0"/>
+              <a:t>pairs have two-view models</a:t>
+            </a:r>
+          </a:p>
+          <a:p>
+            <a:pPr lvl="1"/>
+            <a:r>
+              <a:rPr lang="en-US" sz="2000" dirty="0" smtClean="0"/>
+              <a:t>44 </a:t>
+            </a:r>
+            <a:r>
+              <a:rPr lang="en-US" sz="2000" dirty="0"/>
+              <a:t>pairs have fundamental matrices</a:t>
+            </a:r>
+          </a:p>
+          <a:p>
+            <a:pPr lvl="1"/>
+            <a:r>
+              <a:rPr lang="en-US" sz="2000" dirty="0" smtClean="0"/>
+              <a:t>3 </a:t>
+            </a:r>
+            <a:r>
+              <a:rPr lang="en-US" sz="2000" dirty="0"/>
+              <a:t>cameras used for reconstruction</a:t>
+            </a:r>
+          </a:p>
+          <a:p>
+            <a:pPr lvl="1"/>
+            <a:r>
+              <a:rPr lang="en-US" sz="2000" dirty="0"/>
+              <a:t>Total </a:t>
+            </a:r>
+            <a:r>
+              <a:rPr lang="en-US" sz="2000" dirty="0" smtClean="0"/>
+              <a:t>5332 </a:t>
+            </a:r>
+            <a:r>
+              <a:rPr lang="en-US" sz="2000" dirty="0"/>
+              <a:t>3D vertices generated after Dense </a:t>
+            </a:r>
+            <a:r>
+              <a:rPr lang="en-US" sz="2000" dirty="0" smtClean="0"/>
+              <a:t>Reconstruction</a:t>
+            </a:r>
+          </a:p>
+          <a:p>
+            <a:pPr lvl="8"/>
+            <a:r>
+              <a:rPr lang="en-US" sz="1600" dirty="0" smtClean="0"/>
+              <a:t>   </a:t>
+            </a:r>
+            <a:r>
+              <a:rPr lang="en-US" sz="2000" dirty="0" smtClean="0"/>
+              <a:t>- </a:t>
+            </a:r>
+            <a:r>
+              <a:rPr lang="en-US" sz="2000" b="1" dirty="0" smtClean="0"/>
+              <a:t>4 times increase</a:t>
+            </a:r>
+            <a:r>
+              <a:rPr lang="en-US" sz="1600" b="1" dirty="0" smtClean="0"/>
+              <a:t> compared to attempt 1 </a:t>
+            </a:r>
+            <a:endParaRPr lang="en-US" sz="1600" b="1" dirty="0"/>
+          </a:p>
+          <a:p>
+            <a:pPr marL="201168" lvl="1" indent="0">
+              <a:buNone/>
+            </a:pPr>
+            <a:endParaRPr lang="en-US" sz="2000" dirty="0" smtClean="0"/>
+          </a:p>
+          <a:p>
+            <a:pPr marL="201168" lvl="1" indent="0">
+              <a:buNone/>
+            </a:pPr>
+            <a:endParaRPr lang="en-US" sz="2000" dirty="0"/>
+          </a:p>
+          <a:p>
+            <a:pPr marL="201168" lvl="1" indent="0">
+              <a:buNone/>
+            </a:pPr>
+            <a:endParaRPr lang="en-US" sz="1900" dirty="0" smtClean="0"/>
+          </a:p>
+          <a:p>
+            <a:pPr marL="201168" lvl="1" indent="0">
+              <a:buNone/>
+            </a:pPr>
+            <a:endParaRPr lang="en-US" sz="1600" dirty="0"/>
+          </a:p>
+          <a:p>
+            <a:pPr marL="201168" lvl="1" indent="0">
+              <a:buNone/>
+            </a:pPr>
+            <a:endParaRPr lang="en-US" sz="1600" dirty="0"/>
+          </a:p>
+          <a:p>
+            <a:pPr marL="201168" lvl="1" indent="0">
+              <a:buNone/>
+            </a:pPr>
+            <a:endParaRPr lang="en-US" sz="1600" dirty="0" smtClean="0"/>
+          </a:p>
+          <a:p>
+            <a:pPr marL="201168" lvl="1" indent="0">
+              <a:buNone/>
+            </a:pPr>
+            <a:endParaRPr lang="en-US" sz="1600" dirty="0"/>
+          </a:p>
+          <a:p>
+            <a:endParaRPr lang="en-US" dirty="0"/>
+          </a:p>
+        </p:txBody>
+      </p:sp>
+      <p:pic>
+        <p:nvPicPr>
+          <p:cNvPr id="5" name="Picture 4"/>
+          <p:cNvPicPr>
+            <a:picLocks noChangeAspect="1"/>
+          </p:cNvPicPr>
+          <p:nvPr/>
+        </p:nvPicPr>
+        <p:blipFill>
+          <a:blip r:embed="rId2"/>
+          <a:stretch>
+            <a:fillRect/>
+          </a:stretch>
+        </p:blipFill>
+        <p:spPr>
+          <a:xfrm>
+            <a:off x="9018863" y="2527814"/>
+            <a:ext cx="2628571" cy="3219048"/>
+          </a:xfrm>
+          <a:prstGeom prst="rect">
+            <a:avLst/>
+          </a:prstGeom>
+        </p:spPr>
+      </p:pic>
+      <p:pic>
+        <p:nvPicPr>
+          <p:cNvPr id="6" name="Picture 5"/>
+          <p:cNvPicPr>
+            <a:picLocks noChangeAspect="1"/>
+          </p:cNvPicPr>
+          <p:nvPr/>
+        </p:nvPicPr>
+        <p:blipFill>
+          <a:blip r:embed="rId3"/>
+          <a:stretch>
+            <a:fillRect/>
+          </a:stretch>
+        </p:blipFill>
+        <p:spPr>
+          <a:xfrm>
+            <a:off x="6963433" y="2749562"/>
+            <a:ext cx="866667" cy="895238"/>
+          </a:xfrm>
+          <a:prstGeom prst="rect">
+            <a:avLst/>
+          </a:prstGeom>
+        </p:spPr>
+      </p:pic>
+      <p:pic>
+        <p:nvPicPr>
+          <p:cNvPr id="7" name="Picture 6"/>
+          <p:cNvPicPr>
+            <a:picLocks noChangeAspect="1"/>
+          </p:cNvPicPr>
+          <p:nvPr/>
+        </p:nvPicPr>
+        <p:blipFill>
+          <a:blip r:embed="rId4"/>
+          <a:stretch>
+            <a:fillRect/>
+          </a:stretch>
+        </p:blipFill>
+        <p:spPr>
+          <a:xfrm>
+            <a:off x="1510982" y="4299899"/>
+            <a:ext cx="1257143" cy="1580952"/>
+          </a:xfrm>
+          <a:prstGeom prst="rect">
+            <a:avLst/>
+          </a:prstGeom>
+        </p:spPr>
+      </p:pic>
+      <p:sp>
+        <p:nvSpPr>
+          <p:cNvPr id="8" name="Rectangle 7"/>
+          <p:cNvSpPr/>
+          <p:nvPr/>
+        </p:nvSpPr>
+        <p:spPr>
+          <a:xfrm>
+            <a:off x="3786389" y="4559121"/>
+            <a:ext cx="2936383" cy="1043189"/>
+          </a:xfrm>
+          <a:prstGeom prst="rect">
+            <a:avLst/>
+          </a:prstGeom>
+        </p:spPr>
+        <p:style>
+          <a:lnRef idx="2">
+            <a:schemeClr val="accent6"/>
+          </a:lnRef>
+          <a:fillRef idx="1">
+            <a:schemeClr val="lt1"/>
+          </a:fillRef>
+          <a:effectRef idx="0">
+            <a:schemeClr val="accent6"/>
+          </a:effectRef>
+          <a:fontRef idx="minor">
+            <a:schemeClr val="dk1"/>
+          </a:fontRef>
+        </p:style>
+        <p:txBody>
+          <a:bodyPr rtlCol="0" anchor="ctr"/>
+          <a:lstStyle/>
+          <a:p>
+            <a:pPr algn="ctr"/>
+            <a:r>
+              <a:rPr lang="en-US" u="sng" dirty="0" smtClean="0"/>
+              <a:t>Input:</a:t>
+            </a:r>
+          </a:p>
+          <a:p>
+            <a:pPr algn="ctr"/>
+            <a:r>
+              <a:rPr lang="en-US" dirty="0" err="1" smtClean="0"/>
+              <a:t>Orig_Img</a:t>
+            </a:r>
+            <a:endParaRPr lang="en-US" dirty="0" smtClean="0"/>
+          </a:p>
+          <a:p>
+            <a:pPr algn="ctr"/>
+            <a:r>
+              <a:rPr lang="en-US" dirty="0" smtClean="0"/>
+              <a:t>Flip(</a:t>
+            </a:r>
+            <a:r>
+              <a:rPr lang="en-US" dirty="0" err="1" smtClean="0"/>
+              <a:t>LaplacianUp</a:t>
+            </a:r>
+            <a:r>
+              <a:rPr lang="en-US" dirty="0" smtClean="0"/>
+              <a:t>(</a:t>
+            </a:r>
+            <a:r>
+              <a:rPr lang="en-US" dirty="0" err="1" smtClean="0"/>
+              <a:t>Orig_Img</a:t>
+            </a:r>
+            <a:r>
+              <a:rPr lang="en-US" dirty="0" smtClean="0"/>
+              <a:t>))</a:t>
+            </a:r>
+          </a:p>
+          <a:p>
+            <a:pPr algn="ctr"/>
+            <a:endParaRPr lang="en-US" dirty="0"/>
+          </a:p>
+        </p:txBody>
+      </p:sp>
+    </p:spTree>
+    <p:extLst>
+      <p:ext uri="{BB962C8B-B14F-4D97-AF65-F5344CB8AC3E}">
+        <p14:creationId xmlns:p14="http://schemas.microsoft.com/office/powerpoint/2010/main" val="751553917"/>
+      </p:ext>
+    </p:extLst>
+  </p:cSld>
+  <p:clrMapOvr>
+    <a:masterClrMapping/>
+  </p:clrMapOvr>
+  <p:timing>
+    <p:tnLst>
+      <p:par>
+        <p:cTn id="1" dur="indefinite" restart="never" nodeType="tmRoot"/>
+      </p:par>
+    </p:tnLst>
+  </p:timing>
+</p:sld>
+</file>
+
+<file path=ppt/slides/slide12.xml><?xml version="1.0" encoding="utf-8"?>
+<p:sld xmlns:a="http://schemas.openxmlformats.org/drawingml/2006/main" xmlns:r="http://schemas.openxmlformats.org/officeDocument/2006/relationships" xmlns:p="http://schemas.openxmlformats.org/presentationml/2006/main">
+  <p:cSld>
+    <p:spTree>
+      <p:nvGrpSpPr>
+        <p:cNvPr id="1" name=""/>
+        <p:cNvGrpSpPr/>
+        <p:nvPr/>
+      </p:nvGrpSpPr>
+      <p:grpSpPr>
+        <a:xfrm>
+          <a:off x="0" y="0"/>
+          <a:ext cx="0" cy="0"/>
+          <a:chOff x="0" y="0"/>
+          <a:chExt cx="0" cy="0"/>
+        </a:xfrm>
+      </p:grpSpPr>
+      <p:sp>
+        <p:nvSpPr>
+          <p:cNvPr id="2" name="Content Placeholder 2"/>
+          <p:cNvSpPr txBox="1">
+            <a:spLocks/>
+          </p:cNvSpPr>
+          <p:nvPr/>
+        </p:nvSpPr>
+        <p:spPr>
+          <a:xfrm>
+            <a:off x="260152" y="261631"/>
+            <a:ext cx="10983103" cy="5907349"/>
+          </a:xfrm>
+          <a:prstGeom prst="rect">
+            <a:avLst/>
+          </a:prstGeom>
+        </p:spPr>
+        <p:txBody>
+          <a:bodyPr>
+            <a:normAutofit/>
+          </a:bodyPr>
+          <a:lstStyle>
+            <a:lvl1pPr marL="91440" indent="-91440" algn="l" defTabSz="914400" rtl="0" eaLnBrk="1" latinLnBrk="0" hangingPunct="1">
+              <a:lnSpc>
+                <a:spcPct val="90000"/>
+              </a:lnSpc>
+              <a:spcBef>
+                <a:spcPts val="1200"/>
+              </a:spcBef>
+              <a:spcAft>
+                <a:spcPts val="200"/>
+              </a:spcAft>
+              <a:buClr>
+                <a:schemeClr val="accent1"/>
+              </a:buClr>
+              <a:buSzPct val="100000"/>
+              <a:buFont typeface="Calibri" panose="020F0502020204030204" pitchFamily="34" charset="0"/>
+              <a:buChar char=" "/>
+              <a:defRPr sz="2000" kern="1200">
+                <a:solidFill>
+                  <a:schemeClr val="tx1">
+                    <a:lumMod val="75000"/>
+                    <a:lumOff val="25000"/>
+                  </a:schemeClr>
+                </a:solidFill>
+                <a:latin typeface="+mn-lt"/>
+                <a:ea typeface="+mn-ea"/>
+                <a:cs typeface="+mn-cs"/>
+              </a:defRPr>
+            </a:lvl1pPr>
+            <a:lvl2pPr marL="384048" indent="-182880" algn="l" defTabSz="914400" rtl="0" eaLnBrk="1" latinLnBrk="0" hangingPunct="1">
+              <a:lnSpc>
+                <a:spcPct val="90000"/>
+              </a:lnSpc>
+              <a:spcBef>
+                <a:spcPts val="200"/>
+              </a:spcBef>
+              <a:spcAft>
+                <a:spcPts val="400"/>
+              </a:spcAft>
+              <a:buClr>
+                <a:schemeClr val="accent1"/>
+              </a:buClr>
+              <a:buFont typeface="Calibri" pitchFamily="34" charset="0"/>
+              <a:buChar char="◦"/>
+              <a:defRPr sz="1800" kern="1200">
+                <a:solidFill>
+                  <a:schemeClr val="tx1">
+                    <a:lumMod val="75000"/>
+                    <a:lumOff val="25000"/>
+                  </a:schemeClr>
+                </a:solidFill>
+                <a:latin typeface="+mn-lt"/>
+                <a:ea typeface="+mn-ea"/>
+                <a:cs typeface="+mn-cs"/>
+              </a:defRPr>
+            </a:lvl2pPr>
+            <a:lvl3pPr marL="566928" indent="-182880" algn="l" defTabSz="914400" rtl="0" eaLnBrk="1" latinLnBrk="0" hangingPunct="1">
+              <a:lnSpc>
+                <a:spcPct val="90000"/>
+              </a:lnSpc>
+              <a:spcBef>
+                <a:spcPts val="200"/>
+              </a:spcBef>
+              <a:spcAft>
+                <a:spcPts val="400"/>
+              </a:spcAft>
+              <a:buClr>
+                <a:schemeClr val="accent1"/>
+              </a:buClr>
+              <a:buFont typeface="Calibri" pitchFamily="34" charset="0"/>
+              <a:buChar char="◦"/>
+              <a:defRPr sz="1400" kern="1200">
+                <a:solidFill>
+                  <a:schemeClr val="tx1">
+                    <a:lumMod val="75000"/>
+                    <a:lumOff val="25000"/>
+                  </a:schemeClr>
+                </a:solidFill>
+                <a:latin typeface="+mn-lt"/>
+                <a:ea typeface="+mn-ea"/>
+                <a:cs typeface="+mn-cs"/>
+              </a:defRPr>
+            </a:lvl3pPr>
+            <a:lvl4pPr marL="749808" indent="-182880" algn="l" defTabSz="914400" rtl="0" eaLnBrk="1" latinLnBrk="0" hangingPunct="1">
+              <a:lnSpc>
+                <a:spcPct val="90000"/>
+              </a:lnSpc>
+              <a:spcBef>
+                <a:spcPts val="200"/>
+              </a:spcBef>
+              <a:spcAft>
+                <a:spcPts val="400"/>
+              </a:spcAft>
+              <a:buClr>
+                <a:schemeClr val="accent1"/>
+              </a:buClr>
+              <a:buFont typeface="Calibri" pitchFamily="34" charset="0"/>
+              <a:buChar char="◦"/>
+              <a:defRPr sz="1400" kern="1200">
+                <a:solidFill>
+                  <a:schemeClr val="tx1">
+                    <a:lumMod val="75000"/>
+                    <a:lumOff val="25000"/>
+                  </a:schemeClr>
+                </a:solidFill>
+                <a:latin typeface="+mn-lt"/>
+                <a:ea typeface="+mn-ea"/>
+                <a:cs typeface="+mn-cs"/>
+              </a:defRPr>
+            </a:lvl4pPr>
+            <a:lvl5pPr marL="932688" indent="-182880" algn="l" defTabSz="914400" rtl="0" eaLnBrk="1" latinLnBrk="0" hangingPunct="1">
+              <a:lnSpc>
+                <a:spcPct val="90000"/>
+              </a:lnSpc>
+              <a:spcBef>
+                <a:spcPts val="200"/>
+              </a:spcBef>
+              <a:spcAft>
+                <a:spcPts val="400"/>
+              </a:spcAft>
+              <a:buClr>
+                <a:schemeClr val="accent1"/>
+              </a:buClr>
+              <a:buFont typeface="Calibri" pitchFamily="34" charset="0"/>
+              <a:buChar char="◦"/>
+              <a:defRPr sz="1400" kern="1200">
+                <a:solidFill>
+                  <a:schemeClr val="tx1">
+                    <a:lumMod val="75000"/>
+                    <a:lumOff val="25000"/>
+                  </a:schemeClr>
+                </a:solidFill>
+                <a:latin typeface="+mn-lt"/>
+                <a:ea typeface="+mn-ea"/>
+                <a:cs typeface="+mn-cs"/>
+              </a:defRPr>
+            </a:lvl5pPr>
+            <a:lvl6pPr marL="1100000" indent="-228600" algn="l" defTabSz="914400" rtl="0" eaLnBrk="1" latinLnBrk="0" hangingPunct="1">
+              <a:lnSpc>
+                <a:spcPct val="90000"/>
+              </a:lnSpc>
+              <a:spcBef>
+                <a:spcPts val="200"/>
+              </a:spcBef>
+              <a:spcAft>
+                <a:spcPts val="400"/>
+              </a:spcAft>
+              <a:buClr>
+                <a:schemeClr val="accent1"/>
+              </a:buClr>
+              <a:buFont typeface="Calibri" pitchFamily="34" charset="0"/>
+              <a:buChar char="◦"/>
+              <a:defRPr sz="1400" kern="1200">
+                <a:solidFill>
+                  <a:schemeClr val="tx1">
+                    <a:lumMod val="75000"/>
+                    <a:lumOff val="25000"/>
+                  </a:schemeClr>
+                </a:solidFill>
+                <a:latin typeface="+mn-lt"/>
+                <a:ea typeface="+mn-ea"/>
+                <a:cs typeface="+mn-cs"/>
+              </a:defRPr>
+            </a:lvl6pPr>
+            <a:lvl7pPr marL="1300000" indent="-228600" algn="l" defTabSz="914400" rtl="0" eaLnBrk="1" latinLnBrk="0" hangingPunct="1">
+              <a:lnSpc>
+                <a:spcPct val="90000"/>
+              </a:lnSpc>
+              <a:spcBef>
+                <a:spcPts val="200"/>
+              </a:spcBef>
+              <a:spcAft>
+                <a:spcPts val="400"/>
+              </a:spcAft>
+              <a:buClr>
+                <a:schemeClr val="accent1"/>
+              </a:buClr>
+              <a:buFont typeface="Calibri" pitchFamily="34" charset="0"/>
+              <a:buChar char="◦"/>
+              <a:defRPr sz="1400" kern="1200">
+                <a:solidFill>
+                  <a:schemeClr val="tx1">
+                    <a:lumMod val="75000"/>
+                    <a:lumOff val="25000"/>
+                  </a:schemeClr>
+                </a:solidFill>
+                <a:latin typeface="+mn-lt"/>
+                <a:ea typeface="+mn-ea"/>
+                <a:cs typeface="+mn-cs"/>
+              </a:defRPr>
+            </a:lvl7pPr>
+            <a:lvl8pPr marL="1500000" indent="-228600" algn="l" defTabSz="914400" rtl="0" eaLnBrk="1" latinLnBrk="0" hangingPunct="1">
+              <a:lnSpc>
+                <a:spcPct val="90000"/>
+              </a:lnSpc>
+              <a:spcBef>
+                <a:spcPts val="200"/>
+              </a:spcBef>
+              <a:spcAft>
+                <a:spcPts val="400"/>
+              </a:spcAft>
+              <a:buClr>
+                <a:schemeClr val="accent1"/>
+              </a:buClr>
+              <a:buFont typeface="Calibri" pitchFamily="34" charset="0"/>
+              <a:buChar char="◦"/>
+              <a:defRPr sz="1400" kern="1200">
+                <a:solidFill>
+                  <a:schemeClr val="tx1">
+                    <a:lumMod val="75000"/>
+                    <a:lumOff val="25000"/>
+                  </a:schemeClr>
+                </a:solidFill>
+                <a:latin typeface="+mn-lt"/>
+                <a:ea typeface="+mn-ea"/>
+                <a:cs typeface="+mn-cs"/>
+              </a:defRPr>
+            </a:lvl8pPr>
+            <a:lvl9pPr marL="1700000" indent="-228600" algn="l" defTabSz="914400" rtl="0" eaLnBrk="1" latinLnBrk="0" hangingPunct="1">
+              <a:lnSpc>
+                <a:spcPct val="90000"/>
+              </a:lnSpc>
+              <a:spcBef>
+                <a:spcPts val="200"/>
+              </a:spcBef>
+              <a:spcAft>
+                <a:spcPts val="400"/>
+              </a:spcAft>
+              <a:buClr>
+                <a:schemeClr val="accent1"/>
+              </a:buClr>
+              <a:buFont typeface="Calibri" pitchFamily="34" charset="0"/>
+              <a:buChar char="◦"/>
+              <a:defRPr sz="1400" kern="1200">
+                <a:solidFill>
+                  <a:schemeClr val="tx1">
+                    <a:lumMod val="75000"/>
+                    <a:lumOff val="25000"/>
+                  </a:schemeClr>
+                </a:solidFill>
+                <a:latin typeface="+mn-lt"/>
+                <a:ea typeface="+mn-ea"/>
+                <a:cs typeface="+mn-cs"/>
+              </a:defRPr>
+            </a:lvl9pPr>
+          </a:lstStyle>
+          <a:p>
+            <a:pPr lvl="1"/>
+            <a:r>
+              <a:rPr lang="en-US" sz="2000" dirty="0" smtClean="0"/>
+              <a:t>97 pairs have two-view models</a:t>
+            </a:r>
+          </a:p>
+          <a:p>
+            <a:pPr lvl="1"/>
+            <a:r>
+              <a:rPr lang="en-US" sz="2000" dirty="0" smtClean="0"/>
+              <a:t>174 pairs have fundamental matrices</a:t>
+            </a:r>
+          </a:p>
+          <a:p>
+            <a:pPr lvl="1"/>
+            <a:r>
+              <a:rPr lang="en-US" sz="2000" dirty="0" smtClean="0"/>
+              <a:t>14 cameras used for reconstruction</a:t>
+            </a:r>
+          </a:p>
+          <a:p>
+            <a:pPr lvl="1"/>
+            <a:r>
+              <a:rPr lang="en-US" sz="2000" dirty="0" smtClean="0"/>
+              <a:t>Total 6924 3D vertices generated after Dense Reconstruction</a:t>
+            </a:r>
+          </a:p>
+          <a:p>
+            <a:pPr lvl="1"/>
+            <a:r>
+              <a:rPr lang="en-US" sz="2000" dirty="0" smtClean="0"/>
+              <a:t>It’s evident that due to high scaling image quality decreases (blurred).</a:t>
+            </a:r>
+          </a:p>
+          <a:p>
+            <a:pPr marL="201168" lvl="1" indent="0">
+              <a:buNone/>
+            </a:pPr>
+            <a:endParaRPr lang="en-US" sz="2000" dirty="0"/>
+          </a:p>
+          <a:p>
+            <a:pPr lvl="1">
+              <a:buFont typeface="Wingdings" panose="05000000000000000000" pitchFamily="2" charset="2"/>
+              <a:buChar char="§"/>
+            </a:pPr>
+            <a:r>
+              <a:rPr lang="en-US" sz="2000" dirty="0" smtClean="0"/>
+              <a:t>To further increase the robustness of the 3D reconstruction a Histogram</a:t>
+            </a:r>
+          </a:p>
+          <a:p>
+            <a:pPr marL="201168" lvl="1" indent="0">
+              <a:buNone/>
+            </a:pPr>
+            <a:r>
+              <a:rPr lang="en-US" sz="2000" dirty="0"/>
+              <a:t> </a:t>
+            </a:r>
+            <a:r>
+              <a:rPr lang="en-US" sz="2000" dirty="0" smtClean="0"/>
+              <a:t>   of Gradients based detector should be employed to detect Notre </a:t>
+            </a:r>
+          </a:p>
+          <a:p>
+            <a:pPr marL="201168" lvl="1" indent="0">
+              <a:buNone/>
+            </a:pPr>
+            <a:r>
+              <a:rPr lang="en-US" sz="2000" dirty="0" smtClean="0"/>
+              <a:t>    Dame Cathedral. [Future Work]</a:t>
+            </a:r>
+          </a:p>
+          <a:p>
+            <a:pPr marL="201168" lvl="1" indent="0">
+              <a:buNone/>
+            </a:pPr>
+            <a:endParaRPr lang="en-US" sz="2000" dirty="0"/>
+          </a:p>
+          <a:p>
+            <a:pPr marL="201168" lvl="1" indent="0">
+              <a:buNone/>
+            </a:pPr>
+            <a:r>
+              <a:rPr lang="en-US" sz="2000" dirty="0" smtClean="0"/>
+              <a:t>This is because many features are not matched due to:</a:t>
+            </a:r>
+          </a:p>
+          <a:p>
+            <a:pPr marL="658368" lvl="1" indent="-457200">
+              <a:buFont typeface="+mj-lt"/>
+              <a:buAutoNum type="alphaLcParenR"/>
+            </a:pPr>
+            <a:r>
+              <a:rPr lang="en-US" sz="2000" dirty="0" smtClean="0"/>
+              <a:t>Change in scale and orientation</a:t>
+            </a:r>
+          </a:p>
+          <a:p>
+            <a:pPr marL="658368" lvl="1" indent="-457200">
+              <a:buFont typeface="+mj-lt"/>
+              <a:buAutoNum type="alphaLcParenR"/>
+            </a:pPr>
+            <a:r>
+              <a:rPr lang="en-US" sz="2000" dirty="0" smtClean="0"/>
+              <a:t>Change of illumination (night/day)</a:t>
+            </a:r>
+          </a:p>
+          <a:p>
+            <a:pPr marL="658368" lvl="1" indent="-457200">
+              <a:buFont typeface="+mj-lt"/>
+              <a:buAutoNum type="alphaLcParenR"/>
+            </a:pPr>
+            <a:r>
+              <a:rPr lang="en-US" sz="2000" dirty="0" smtClean="0"/>
+              <a:t>Detection of common non-essential repetitive patterns such as lamps and benches.</a:t>
+            </a:r>
+          </a:p>
+          <a:p>
+            <a:pPr marL="658368" lvl="1" indent="-457200">
+              <a:buFont typeface="+mj-lt"/>
+              <a:buAutoNum type="alphaLcParenR"/>
+            </a:pPr>
+            <a:r>
+              <a:rPr lang="en-US" sz="2000" dirty="0" smtClean="0"/>
+              <a:t>Various occlusions such as trees, people, etc.…. .</a:t>
+            </a:r>
+          </a:p>
+          <a:p>
+            <a:pPr marL="201168" lvl="1" indent="0">
+              <a:buNone/>
+            </a:pPr>
+            <a:r>
+              <a:rPr lang="en-US" sz="2000" dirty="0" smtClean="0"/>
+              <a:t>Using a detector may be able to take care of (a), (b) and (c).</a:t>
+            </a:r>
+          </a:p>
+          <a:p>
+            <a:pPr marL="658368" lvl="1" indent="-457200">
+              <a:buFont typeface="+mj-lt"/>
+              <a:buAutoNum type="alphaLcParenR"/>
+            </a:pPr>
+            <a:endParaRPr lang="en-US" sz="2000" dirty="0" smtClean="0"/>
+          </a:p>
+          <a:p>
+            <a:pPr marL="658368" lvl="1" indent="-457200">
+              <a:buFont typeface="+mj-lt"/>
+              <a:buAutoNum type="alphaLcParenR"/>
+            </a:pPr>
+            <a:endParaRPr lang="en-US" sz="2000" dirty="0" smtClean="0"/>
+          </a:p>
+          <a:p>
+            <a:pPr marL="658368" lvl="1" indent="-457200">
+              <a:buFont typeface="+mj-lt"/>
+              <a:buAutoNum type="alphaLcParenR"/>
+            </a:pPr>
+            <a:endParaRPr lang="en-US" sz="2000" dirty="0" smtClean="0"/>
+          </a:p>
+          <a:p>
+            <a:pPr lvl="8"/>
+            <a:endParaRPr lang="en-US" sz="2000" dirty="0" smtClean="0"/>
+          </a:p>
+          <a:p>
+            <a:pPr marL="201168" lvl="1" indent="0">
+              <a:buFont typeface="Calibri" pitchFamily="34" charset="0"/>
+              <a:buNone/>
+            </a:pPr>
+            <a:endParaRPr lang="en-US" sz="2000" dirty="0" smtClean="0"/>
+          </a:p>
+          <a:p>
+            <a:pPr marL="201168" lvl="1" indent="0">
+              <a:buFont typeface="Calibri" pitchFamily="34" charset="0"/>
+              <a:buNone/>
+            </a:pPr>
+            <a:endParaRPr lang="en-US" sz="1900" dirty="0" smtClean="0"/>
+          </a:p>
+          <a:p>
+            <a:pPr marL="201168" lvl="1" indent="0">
+              <a:buFont typeface="Calibri" pitchFamily="34" charset="0"/>
+              <a:buNone/>
+            </a:pPr>
+            <a:endParaRPr lang="en-US" sz="1600" dirty="0" smtClean="0"/>
+          </a:p>
+          <a:p>
+            <a:pPr marL="201168" lvl="1" indent="0">
+              <a:buFont typeface="Calibri" pitchFamily="34" charset="0"/>
+              <a:buNone/>
+            </a:pPr>
+            <a:endParaRPr lang="en-US" sz="1600" dirty="0" smtClean="0"/>
+          </a:p>
+          <a:p>
+            <a:pPr marL="201168" lvl="1" indent="0">
+              <a:buFont typeface="Calibri" pitchFamily="34" charset="0"/>
+              <a:buNone/>
+            </a:pPr>
+            <a:endParaRPr lang="en-US" sz="1600" dirty="0" smtClean="0"/>
+          </a:p>
+          <a:p>
+            <a:pPr marL="201168" lvl="1" indent="0">
+              <a:buFont typeface="Calibri" pitchFamily="34" charset="0"/>
+              <a:buNone/>
+            </a:pPr>
+            <a:endParaRPr lang="en-US" sz="1600" dirty="0" smtClean="0"/>
+          </a:p>
+          <a:p>
+            <a:endParaRPr lang="en-US" dirty="0"/>
+          </a:p>
+        </p:txBody>
+      </p:sp>
+      <p:pic>
+        <p:nvPicPr>
+          <p:cNvPr id="3" name="Picture 2"/>
+          <p:cNvPicPr>
+            <a:picLocks noChangeAspect="1"/>
+          </p:cNvPicPr>
+          <p:nvPr/>
+        </p:nvPicPr>
+        <p:blipFill>
+          <a:blip r:embed="rId2"/>
+          <a:stretch>
+            <a:fillRect/>
+          </a:stretch>
+        </p:blipFill>
+        <p:spPr>
+          <a:xfrm>
+            <a:off x="8767344" y="124220"/>
+            <a:ext cx="2153940" cy="2305473"/>
+          </a:xfrm>
+          <a:prstGeom prst="rect">
+            <a:avLst/>
+          </a:prstGeom>
+        </p:spPr>
+      </p:pic>
+      <p:sp>
+        <p:nvSpPr>
+          <p:cNvPr id="4" name="Rectangle 3"/>
+          <p:cNvSpPr/>
+          <p:nvPr/>
+        </p:nvSpPr>
+        <p:spPr>
+          <a:xfrm>
+            <a:off x="8306872" y="2567104"/>
+            <a:ext cx="2936383" cy="1152736"/>
+          </a:xfrm>
+          <a:prstGeom prst="rect">
+            <a:avLst/>
+          </a:prstGeom>
+        </p:spPr>
+        <p:style>
+          <a:lnRef idx="2">
+            <a:schemeClr val="accent6"/>
+          </a:lnRef>
+          <a:fillRef idx="1">
+            <a:schemeClr val="lt1"/>
+          </a:fillRef>
+          <a:effectRef idx="0">
+            <a:schemeClr val="accent6"/>
+          </a:effectRef>
+          <a:fontRef idx="minor">
+            <a:schemeClr val="dk1"/>
+          </a:fontRef>
+        </p:style>
+        <p:txBody>
+          <a:bodyPr rtlCol="0" anchor="ctr"/>
+          <a:lstStyle/>
+          <a:p>
+            <a:pPr algn="ctr"/>
+            <a:endParaRPr lang="en-US" u="sng" dirty="0" smtClean="0"/>
+          </a:p>
+          <a:p>
+            <a:pPr algn="ctr"/>
+            <a:r>
+              <a:rPr lang="en-US" u="sng" dirty="0" smtClean="0"/>
+              <a:t>Input:</a:t>
+            </a:r>
+          </a:p>
+          <a:p>
+            <a:pPr algn="ctr"/>
+            <a:r>
+              <a:rPr lang="en-US" dirty="0" err="1" smtClean="0"/>
+              <a:t>Orig_Img</a:t>
+            </a:r>
+            <a:endParaRPr lang="en-US" dirty="0" smtClean="0"/>
+          </a:p>
+          <a:p>
+            <a:pPr algn="ctr"/>
+            <a:r>
+              <a:rPr lang="en-US" dirty="0" err="1"/>
+              <a:t>LaplacianUp</a:t>
+            </a:r>
+            <a:r>
+              <a:rPr lang="en-US" dirty="0"/>
+              <a:t>(</a:t>
+            </a:r>
+            <a:r>
+              <a:rPr lang="en-US" dirty="0" err="1"/>
+              <a:t>Orig_Img</a:t>
+            </a:r>
+            <a:r>
+              <a:rPr lang="en-US" dirty="0"/>
+              <a:t>))</a:t>
+            </a:r>
+            <a:endParaRPr lang="en-US" dirty="0" smtClean="0"/>
+          </a:p>
+          <a:p>
+            <a:pPr algn="ctr"/>
+            <a:r>
+              <a:rPr lang="en-US" dirty="0" smtClean="0"/>
+              <a:t>Flip(</a:t>
+            </a:r>
+            <a:r>
+              <a:rPr lang="en-US" dirty="0" err="1" smtClean="0"/>
+              <a:t>LaplacianUp</a:t>
+            </a:r>
+            <a:r>
+              <a:rPr lang="en-US" dirty="0" smtClean="0"/>
+              <a:t>(</a:t>
+            </a:r>
+            <a:r>
+              <a:rPr lang="en-US" dirty="0" err="1" smtClean="0"/>
+              <a:t>Orig_Img</a:t>
+            </a:r>
+            <a:r>
+              <a:rPr lang="en-US" dirty="0" smtClean="0"/>
+              <a:t>))</a:t>
+            </a:r>
+          </a:p>
+          <a:p>
+            <a:pPr algn="ctr"/>
+            <a:endParaRPr lang="en-US" dirty="0"/>
+          </a:p>
+        </p:txBody>
+      </p:sp>
+    </p:spTree>
+    <p:extLst>
+      <p:ext uri="{BB962C8B-B14F-4D97-AF65-F5344CB8AC3E}">
+        <p14:creationId xmlns:p14="http://schemas.microsoft.com/office/powerpoint/2010/main" val="2549390270"/>
+      </p:ext>
+    </p:extLst>
+  </p:cSld>
+  <p:clrMapOvr>
+    <a:masterClrMapping/>
+  </p:clrMapOvr>
+</p:sld>
+</file>
+
+<file path=ppt/slides/slide13.xml><?xml version="1.0" encoding="utf-8"?>
+<p:sld xmlns:a="http://schemas.openxmlformats.org/drawingml/2006/main" xmlns:r="http://schemas.openxmlformats.org/officeDocument/2006/relationships" xmlns:p="http://schemas.openxmlformats.org/presentationml/2006/main">
+  <p:cSld>
+    <p:spTree>
+      <p:nvGrpSpPr>
+        <p:cNvPr id="1" name=""/>
+        <p:cNvGrpSpPr/>
+        <p:nvPr/>
+      </p:nvGrpSpPr>
+      <p:grpSpPr>
+        <a:xfrm>
+          <a:off x="0" y="0"/>
+          <a:ext cx="0" cy="0"/>
+          <a:chOff x="0" y="0"/>
+          <a:chExt cx="0" cy="0"/>
+        </a:xfrm>
+      </p:grpSpPr>
+      <p:sp>
+        <p:nvSpPr>
+          <p:cNvPr id="2" name="Title 1"/>
+          <p:cNvSpPr>
+            <a:spLocks noGrp="1"/>
+          </p:cNvSpPr>
+          <p:nvPr>
+            <p:ph type="title"/>
+          </p:nvPr>
+        </p:nvSpPr>
+        <p:spPr/>
+        <p:txBody>
+          <a:bodyPr/>
+          <a:lstStyle/>
+          <a:p>
+            <a:r>
+              <a:rPr lang="en-US" dirty="0" smtClean="0"/>
+              <a:t>Attempt </a:t>
+            </a:r>
+            <a:r>
+              <a:rPr lang="en-US" dirty="0"/>
+              <a:t>3</a:t>
+            </a:r>
+            <a:r>
+              <a:rPr lang="en-US" dirty="0" smtClean="0"/>
+              <a:t> </a:t>
+            </a:r>
+            <a:r>
+              <a:rPr lang="en-US" dirty="0" smtClean="0"/>
+              <a:t>– Taking </a:t>
+            </a:r>
+            <a:r>
+              <a:rPr lang="en-US" dirty="0" smtClean="0"/>
+              <a:t>All Photos </a:t>
+            </a:r>
+            <a:endParaRPr lang="en-US" dirty="0"/>
+          </a:p>
+        </p:txBody>
+      </p:sp>
+      <p:sp>
+        <p:nvSpPr>
+          <p:cNvPr id="3" name="Content Placeholder 2"/>
+          <p:cNvSpPr>
+            <a:spLocks noGrp="1"/>
+          </p:cNvSpPr>
+          <p:nvPr>
+            <p:ph idx="1"/>
+          </p:nvPr>
+        </p:nvSpPr>
+        <p:spPr>
+          <a:xfrm>
+            <a:off x="1097280" y="1845733"/>
+            <a:ext cx="10058400" cy="4336125"/>
+          </a:xfrm>
+        </p:spPr>
+        <p:txBody>
+          <a:bodyPr>
+            <a:normAutofit/>
+          </a:bodyPr>
+          <a:lstStyle/>
+          <a:p>
+            <a:pPr marL="201168" lvl="1" indent="0">
+              <a:buNone/>
+            </a:pPr>
+            <a:r>
+              <a:rPr lang="en-US" dirty="0" smtClean="0"/>
+              <a:t>Load the images in gray scale format and perform histogram equalization on the historical images set, to enhance the contrast. Now using Visual SFM for 3D reconstruction using old settings: </a:t>
+            </a:r>
+          </a:p>
+          <a:p>
+            <a:pPr lvl="1">
+              <a:buFont typeface="Wingdings" panose="05000000000000000000" pitchFamily="2" charset="2"/>
+              <a:buChar char="§"/>
+            </a:pPr>
+            <a:endParaRPr lang="en-US" sz="1600" dirty="0"/>
+          </a:p>
+          <a:p>
+            <a:pPr marL="201168" lvl="1" indent="0">
+              <a:buNone/>
+            </a:pPr>
+            <a:endParaRPr lang="en-US" sz="1600" dirty="0" smtClean="0"/>
+          </a:p>
+          <a:p>
+            <a:pPr marL="201168" lvl="1" indent="0">
+              <a:buNone/>
+            </a:pPr>
+            <a:endParaRPr lang="en-US" sz="1600" dirty="0"/>
+          </a:p>
+          <a:p>
+            <a:endParaRPr lang="en-US" dirty="0"/>
+          </a:p>
+        </p:txBody>
+      </p:sp>
+    </p:spTree>
+    <p:extLst>
+      <p:ext uri="{BB962C8B-B14F-4D97-AF65-F5344CB8AC3E}">
+        <p14:creationId xmlns:p14="http://schemas.microsoft.com/office/powerpoint/2010/main" val="541469772"/>
+      </p:ext>
+    </p:extLst>
+  </p:cSld>
+  <p:clrMapOvr>
+    <a:masterClrMapping/>
+  </p:clrMapOvr>
+  <p:timing>
+    <p:tnLst>
+      <p:par>
+        <p:cTn id="1" dur="indefinite" restart="never" nodeType="tmRoot"/>
+      </p:par>
+    </p:tnLst>
+  </p:timing>
+</p:sld>
+</file>
+
+<file path=ppt/slides/slide14.xml><?xml version="1.0" encoding="utf-8"?>
+<p:sld xmlns:a="http://schemas.openxmlformats.org/drawingml/2006/main" xmlns:r="http://schemas.openxmlformats.org/officeDocument/2006/relationships" xmlns:p="http://schemas.openxmlformats.org/presentationml/2006/main">
+  <p:cSld>
+    <p:spTree>
+      <p:nvGrpSpPr>
+        <p:cNvPr id="1" name=""/>
+        <p:cNvGrpSpPr/>
+        <p:nvPr/>
+      </p:nvGrpSpPr>
+      <p:grpSpPr>
+        <a:xfrm>
+          <a:off x="0" y="0"/>
+          <a:ext cx="0" cy="0"/>
+          <a:chOff x="0" y="0"/>
+          <a:chExt cx="0" cy="0"/>
+        </a:xfrm>
+      </p:grpSpPr>
+      <p:sp>
+        <p:nvSpPr>
+          <p:cNvPr id="2" name="Title 1"/>
+          <p:cNvSpPr>
+            <a:spLocks noGrp="1"/>
+          </p:cNvSpPr>
+          <p:nvPr>
+            <p:ph type="title"/>
+          </p:nvPr>
+        </p:nvSpPr>
+        <p:spPr/>
+        <p:txBody>
+          <a:bodyPr/>
+          <a:lstStyle/>
+          <a:p>
+            <a:r>
+              <a:rPr lang="en-US" dirty="0" smtClean="0"/>
+              <a:t>To do list</a:t>
+            </a:r>
+            <a:endParaRPr lang="en-US" dirty="0"/>
+          </a:p>
+        </p:txBody>
+      </p:sp>
+      <p:sp>
+        <p:nvSpPr>
+          <p:cNvPr id="3" name="Content Placeholder 2"/>
+          <p:cNvSpPr>
+            <a:spLocks noGrp="1"/>
+          </p:cNvSpPr>
+          <p:nvPr>
+            <p:ph idx="1"/>
+          </p:nvPr>
+        </p:nvSpPr>
+        <p:spPr/>
+        <p:txBody>
+          <a:bodyPr/>
+          <a:lstStyle/>
+          <a:p>
+            <a:pPr marL="457200" indent="-457200">
+              <a:buFont typeface="+mj-lt"/>
+              <a:buAutoNum type="arabicPeriod"/>
+            </a:pPr>
+            <a:r>
+              <a:rPr lang="en-US" dirty="0" smtClean="0"/>
+              <a:t>Train a </a:t>
+            </a:r>
+            <a:r>
+              <a:rPr lang="en-US" dirty="0" err="1" smtClean="0"/>
+              <a:t>HoG</a:t>
+            </a:r>
+            <a:r>
+              <a:rPr lang="en-US" dirty="0" smtClean="0"/>
+              <a:t> detector to detect Notre Dame de Paris.</a:t>
+            </a:r>
+          </a:p>
+          <a:p>
+            <a:pPr marL="457200" indent="-457200">
+              <a:buFont typeface="+mj-lt"/>
+              <a:buAutoNum type="arabicPeriod"/>
+            </a:pPr>
+            <a:r>
+              <a:rPr lang="en-US" dirty="0" smtClean="0"/>
+              <a:t>Convert the dense reconstruction to a mesh.</a:t>
+            </a:r>
+          </a:p>
+          <a:p>
+            <a:pPr marL="457200" indent="-457200">
+              <a:buFont typeface="+mj-lt"/>
+              <a:buAutoNum type="arabicPeriod"/>
+            </a:pPr>
+            <a:r>
+              <a:rPr lang="en-US" dirty="0" smtClean="0"/>
+              <a:t>Use </a:t>
+            </a:r>
+            <a:r>
+              <a:rPr lang="en-US" dirty="0" err="1" smtClean="0"/>
+              <a:t>OpenMVG</a:t>
+            </a:r>
+            <a:r>
+              <a:rPr lang="en-US" dirty="0" smtClean="0"/>
+              <a:t> to further understand the various types of SFM solving methods.</a:t>
+            </a:r>
+          </a:p>
+          <a:p>
+            <a:pPr marL="457200" indent="-457200">
+              <a:buFont typeface="+mj-lt"/>
+              <a:buAutoNum type="arabicPeriod"/>
+            </a:pPr>
+            <a:r>
+              <a:rPr lang="en-US" dirty="0" smtClean="0"/>
+              <a:t>Compare the different 3D Point Clouds with that of a standard high res one of Notre Dame.</a:t>
+            </a:r>
+          </a:p>
+        </p:txBody>
+      </p:sp>
+    </p:spTree>
+    <p:extLst>
+      <p:ext uri="{BB962C8B-B14F-4D97-AF65-F5344CB8AC3E}">
+        <p14:creationId xmlns:p14="http://schemas.microsoft.com/office/powerpoint/2010/main" val="1407739143"/>
+      </p:ext>
+    </p:extLst>
+  </p:cSld>
+  <p:clrMapOvr>
+    <a:masterClrMapping/>
+  </p:clrMapOvr>
+</p:sld>
+</file>
+
+<file path=ppt/slides/slide15.xml><?xml version="1.0" encoding="utf-8"?>
 <p:sld xmlns:a="http://schemas.openxmlformats.org/drawingml/2006/main" xmlns:r="http://schemas.openxmlformats.org/officeDocument/2006/relationships" xmlns:p="http://schemas.openxmlformats.org/presentationml/2006/main">
   <p:cSld>
     <p:spTree>

--- a/3D Reconstruction of Notre Dame Cathedral.pptx
+++ b/3D Reconstruction of Notre Dame Cathedral.pptx
@@ -18,8 +18,10 @@
     <p:sldId id="267" r:id="rId12"/>
     <p:sldId id="268" r:id="rId13"/>
     <p:sldId id="270" r:id="rId14"/>
-    <p:sldId id="269" r:id="rId15"/>
-    <p:sldId id="261" r:id="rId16"/>
+    <p:sldId id="272" r:id="rId15"/>
+    <p:sldId id="269" r:id="rId16"/>
+    <p:sldId id="271" r:id="rId17"/>
+    <p:sldId id="261" r:id="rId18"/>
   </p:sldIdLst>
   <p:sldSz cx="12192000" cy="6858000"/>
   <p:notesSz cx="6858000" cy="9144000"/>
@@ -3616,7 +3618,7 @@
           <a:p>
             <a:fld id="{4BDF68E2-58F2-4D09-BE8B-E3BD06533059}" type="datetimeFigureOut">
               <a:rPr lang="en-US" dirty="0"/>
-              <a:t>1/22/2016</a:t>
+              <a:t>1/23/2016</a:t>
             </a:fld>
             <a:endParaRPr lang="en-US" dirty="0"/>
           </a:p>
@@ -3819,7 +3821,7 @@
           <a:p>
             <a:fld id="{2E2D6473-DF6D-4702-B328-E0DD40540A4E}" type="datetimeFigureOut">
               <a:rPr lang="en-US" dirty="0"/>
-              <a:t>1/22/2016</a:t>
+              <a:t>1/23/2016</a:t>
             </a:fld>
             <a:endParaRPr lang="en-US" dirty="0"/>
           </a:p>
@@ -4070,7 +4072,7 @@
           <a:p>
             <a:fld id="{E26F7E3A-B166-407D-9866-32884E7D5B37}" type="datetimeFigureOut">
               <a:rPr lang="en-US" dirty="0"/>
-              <a:t>1/22/2016</a:t>
+              <a:t>1/23/2016</a:t>
             </a:fld>
             <a:endParaRPr lang="en-US" dirty="0"/>
           </a:p>
@@ -4239,7 +4241,7 @@
           <a:p>
             <a:fld id="{528FC5F6-F338-4AE4-BB23-26385BCFC423}" type="datetimeFigureOut">
               <a:rPr lang="en-US" dirty="0"/>
-              <a:t>1/22/2016</a:t>
+              <a:t>1/23/2016</a:t>
             </a:fld>
             <a:endParaRPr lang="en-US" dirty="0"/>
           </a:p>
@@ -4577,7 +4579,7 @@
           <a:p>
             <a:fld id="{20EBB0C4-6273-4C6E-B9BD-2EDC30F1CD52}" type="datetimeFigureOut">
               <a:rPr lang="en-US" dirty="0"/>
-              <a:t>1/22/2016</a:t>
+              <a:t>1/23/2016</a:t>
             </a:fld>
             <a:endParaRPr lang="en-US" dirty="0"/>
           </a:p>
@@ -4847,7 +4849,7 @@
           <a:p>
             <a:fld id="{19AB4D41-86C1-4908-B66A-0B50CEB3BF29}" type="datetimeFigureOut">
               <a:rPr lang="en-US" dirty="0"/>
-              <a:t>1/22/2016</a:t>
+              <a:t>1/23/2016</a:t>
             </a:fld>
             <a:endParaRPr lang="en-US" dirty="0"/>
           </a:p>
@@ -5221,7 +5223,7 @@
           <a:p>
             <a:fld id="{E6426E2C-56C1-4E0D-A793-0088A7FDD37E}" type="datetimeFigureOut">
               <a:rPr lang="en-US" dirty="0"/>
-              <a:t>1/22/2016</a:t>
+              <a:t>1/23/2016</a:t>
             </a:fld>
             <a:endParaRPr lang="en-US" dirty="0"/>
           </a:p>
@@ -5334,7 +5336,7 @@
           <a:p>
             <a:fld id="{C8C39B41-D8B5-4052-B551-9B5525EAA8B6}" type="datetimeFigureOut">
               <a:rPr lang="en-US" dirty="0"/>
-              <a:t>1/22/2016</a:t>
+              <a:t>1/23/2016</a:t>
             </a:fld>
             <a:endParaRPr lang="en-US" dirty="0"/>
           </a:p>
@@ -5500,7 +5502,7 @@
           <a:p>
             <a:fld id="{4D94136C-8742-45B2-AF27-D93DF72833A9}" type="datetimeFigureOut">
               <a:rPr lang="en-US" dirty="0"/>
-              <a:t>1/22/2016</a:t>
+              <a:t>1/23/2016</a:t>
             </a:fld>
             <a:endParaRPr lang="en-US" dirty="0"/>
           </a:p>
@@ -5850,7 +5852,7 @@
           <a:p>
             <a:fld id="{32ABBEA6-7C60-4B02-AE87-00D78D8422AF}" type="datetimeFigureOut">
               <a:rPr lang="en-US" dirty="0"/>
-              <a:t>1/22/2016</a:t>
+              <a:t>1/23/2016</a:t>
             </a:fld>
             <a:endParaRPr lang="en-US" dirty="0"/>
           </a:p>
@@ -6228,7 +6230,7 @@
           <a:p>
             <a:fld id="{C9CAD897-D46E-4AD2-BD9B-49DD3E640873}" type="datetimeFigureOut">
               <a:rPr lang="en-US" dirty="0"/>
-              <a:t>1/22/2016</a:t>
+              <a:t>1/23/2016</a:t>
             </a:fld>
             <a:endParaRPr lang="en-US" dirty="0"/>
           </a:p>
@@ -6510,7 +6512,7 @@
           <a:p>
             <a:fld id="{98624D31-43A5-475A-80CF-332C9F6DCF35}" type="datetimeFigureOut">
               <a:rPr lang="en-US" dirty="0"/>
-              <a:t>1/22/2016</a:t>
+              <a:t>1/23/2016</a:t>
             </a:fld>
             <a:endParaRPr lang="en-US" dirty="0"/>
           </a:p>
@@ -7071,7 +7073,17 @@
           <a:p>
             <a:r>
               <a:rPr lang="en-US" dirty="0" smtClean="0"/>
-              <a:t>Karan Ahuja</a:t>
+              <a:t>By Karan Ahuja</a:t>
+            </a:r>
+          </a:p>
+          <a:p>
+            <a:r>
+              <a:rPr lang="en-US" dirty="0" smtClean="0"/>
+              <a:t>Under the guidance of dr. Mathieu </a:t>
+            </a:r>
+            <a:r>
+              <a:rPr lang="en-US" dirty="0" err="1" smtClean="0"/>
+              <a:t>aubry</a:t>
             </a:r>
             <a:endParaRPr lang="en-US" dirty="0"/>
           </a:p>
@@ -7131,11 +7143,7 @@
           <a:p>
             <a:r>
               <a:rPr lang="en-US" dirty="0" smtClean="0"/>
-              <a:t>Attempt </a:t>
-            </a:r>
-            <a:r>
-              <a:rPr lang="en-US" dirty="0" smtClean="0"/>
-              <a:t>2</a:t>
+              <a:t>Attempt 2</a:t>
             </a:r>
             <a:endParaRPr lang="en-US" dirty="0"/>
           </a:p>
@@ -7349,11 +7357,7 @@
           <a:p>
             <a:r>
               <a:rPr lang="en-US" dirty="0" smtClean="0"/>
-              <a:t>Attempt </a:t>
-            </a:r>
-            <a:r>
-              <a:rPr lang="en-US" dirty="0" smtClean="0"/>
-              <a:t>2 - Continued</a:t>
+              <a:t>Attempt 2 - Continued</a:t>
             </a:r>
             <a:endParaRPr lang="en-US" dirty="0"/>
           </a:p>
@@ -8353,15 +8357,7 @@
             </a:r>
             <a:r>
               <a:rPr lang="en-US" dirty="0" smtClean="0"/>
-              <a:t> </a:t>
-            </a:r>
-            <a:r>
-              <a:rPr lang="en-US" dirty="0" smtClean="0"/>
-              <a:t>– Taking </a:t>
-            </a:r>
-            <a:r>
-              <a:rPr lang="en-US" dirty="0" smtClean="0"/>
-              <a:t>All Photos </a:t>
+              <a:t> – Taking All Photos </a:t>
             </a:r>
             <a:endParaRPr lang="en-US" dirty="0"/>
           </a:p>
@@ -8398,9 +8394,65 @@
             </a:r>
           </a:p>
           <a:p>
-            <a:pPr lvl="1">
-              <a:buFont typeface="Wingdings" panose="05000000000000000000" pitchFamily="2" charset="2"/>
-              <a:buChar char="§"/>
+            <a:pPr lvl="1"/>
+            <a:r>
+              <a:rPr lang="en-US" dirty="0" smtClean="0"/>
+              <a:t>10 </a:t>
+            </a:r>
+            <a:r>
+              <a:rPr lang="en-US" dirty="0"/>
+              <a:t>pairs have two-view </a:t>
+            </a:r>
+            <a:r>
+              <a:rPr lang="en-US" dirty="0" smtClean="0"/>
+              <a:t>models </a:t>
+            </a:r>
+            <a:endParaRPr lang="en-US" dirty="0"/>
+          </a:p>
+          <a:p>
+            <a:pPr lvl="1"/>
+            <a:r>
+              <a:rPr lang="en-US" dirty="0" smtClean="0"/>
+              <a:t>10 </a:t>
+            </a:r>
+            <a:r>
+              <a:rPr lang="en-US" dirty="0"/>
+              <a:t>pairs have fundamental matrices</a:t>
+            </a:r>
+          </a:p>
+          <a:p>
+            <a:pPr lvl="1"/>
+            <a:r>
+              <a:rPr lang="en-US" dirty="0"/>
+              <a:t>4</a:t>
+            </a:r>
+            <a:r>
+              <a:rPr lang="en-US" dirty="0" smtClean="0"/>
+              <a:t> </a:t>
+            </a:r>
+            <a:r>
+              <a:rPr lang="en-US" dirty="0"/>
+              <a:t>cameras used for reconstruction</a:t>
+            </a:r>
+          </a:p>
+          <a:p>
+            <a:pPr lvl="1"/>
+            <a:r>
+              <a:rPr lang="en-US" dirty="0"/>
+              <a:t>Total </a:t>
+            </a:r>
+            <a:r>
+              <a:rPr lang="en-US" dirty="0" smtClean="0"/>
+              <a:t>1325 </a:t>
+            </a:r>
+            <a:r>
+              <a:rPr lang="en-US" dirty="0"/>
+              <a:t>3D vertices generated after Dense Reconstruction</a:t>
+            </a:r>
+          </a:p>
+          <a:p>
+            <a:pPr marL="201168" lvl="1" indent="0">
+              <a:buNone/>
             </a:pPr>
             <a:endParaRPr lang="en-US" sz="1600" dirty="0"/>
           </a:p>
@@ -8421,6 +8473,265 @@
           </a:p>
         </p:txBody>
       </p:sp>
+      <p:sp>
+        <p:nvSpPr>
+          <p:cNvPr id="7" name="Rectangle 6"/>
+          <p:cNvSpPr/>
+          <p:nvPr/>
+        </p:nvSpPr>
+        <p:spPr>
+          <a:xfrm>
+            <a:off x="8693239" y="2398476"/>
+            <a:ext cx="2034862" cy="1238531"/>
+          </a:xfrm>
+          <a:prstGeom prst="rect">
+            <a:avLst/>
+          </a:prstGeom>
+        </p:spPr>
+        <p:style>
+          <a:lnRef idx="2">
+            <a:schemeClr val="accent6"/>
+          </a:lnRef>
+          <a:fillRef idx="1">
+            <a:schemeClr val="lt1"/>
+          </a:fillRef>
+          <a:effectRef idx="0">
+            <a:schemeClr val="accent6"/>
+          </a:effectRef>
+          <a:fontRef idx="minor">
+            <a:schemeClr val="dk1"/>
+          </a:fontRef>
+        </p:style>
+        <p:txBody>
+          <a:bodyPr rtlCol="0" anchor="ctr"/>
+          <a:lstStyle/>
+          <a:p>
+            <a:pPr algn="ctr"/>
+            <a:r>
+              <a:rPr lang="en-US" dirty="0" smtClean="0"/>
+              <a:t>Without histogram equalization only 1050 points are generated</a:t>
+            </a:r>
+            <a:endParaRPr lang="en-US" dirty="0"/>
+          </a:p>
+        </p:txBody>
+      </p:sp>
+      <p:pic>
+        <p:nvPicPr>
+          <p:cNvPr id="4" name="Picture 3"/>
+          <p:cNvPicPr>
+            <a:picLocks noChangeAspect="1"/>
+          </p:cNvPicPr>
+          <p:nvPr/>
+        </p:nvPicPr>
+        <p:blipFill>
+          <a:blip r:embed="rId2"/>
+          <a:stretch>
+            <a:fillRect/>
+          </a:stretch>
+        </p:blipFill>
+        <p:spPr>
+          <a:xfrm>
+            <a:off x="7286270" y="2488628"/>
+            <a:ext cx="1138446" cy="1053062"/>
+          </a:xfrm>
+          <a:prstGeom prst="rect">
+            <a:avLst/>
+          </a:prstGeom>
+        </p:spPr>
+      </p:pic>
+      <p:sp>
+        <p:nvSpPr>
+          <p:cNvPr id="6" name="Rectangle 5"/>
+          <p:cNvSpPr/>
+          <p:nvPr/>
+        </p:nvSpPr>
+        <p:spPr>
+          <a:xfrm>
+            <a:off x="1210615" y="4359498"/>
+            <a:ext cx="2936383" cy="1043189"/>
+          </a:xfrm>
+          <a:prstGeom prst="rect">
+            <a:avLst/>
+          </a:prstGeom>
+        </p:spPr>
+        <p:style>
+          <a:lnRef idx="2">
+            <a:schemeClr val="accent6"/>
+          </a:lnRef>
+          <a:fillRef idx="1">
+            <a:schemeClr val="lt1"/>
+          </a:fillRef>
+          <a:effectRef idx="0">
+            <a:schemeClr val="accent6"/>
+          </a:effectRef>
+          <a:fontRef idx="minor">
+            <a:schemeClr val="dk1"/>
+          </a:fontRef>
+        </p:style>
+        <p:txBody>
+          <a:bodyPr rtlCol="0" anchor="ctr"/>
+          <a:lstStyle/>
+          <a:p>
+            <a:pPr algn="ctr"/>
+            <a:r>
+              <a:rPr lang="en-US" u="sng" dirty="0" smtClean="0"/>
+              <a:t>Input:</a:t>
+            </a:r>
+          </a:p>
+          <a:p>
+            <a:pPr algn="ctr"/>
+            <a:r>
+              <a:rPr lang="en-US" dirty="0" err="1" smtClean="0"/>
+              <a:t>Orig_Img</a:t>
+            </a:r>
+            <a:endParaRPr lang="en-US" dirty="0" smtClean="0"/>
+          </a:p>
+          <a:p>
+            <a:pPr algn="ctr"/>
+            <a:r>
+              <a:rPr lang="en-US" dirty="0" smtClean="0"/>
+              <a:t>Flip(</a:t>
+            </a:r>
+            <a:r>
+              <a:rPr lang="en-US" dirty="0" err="1" smtClean="0"/>
+              <a:t>LaplacianUp</a:t>
+            </a:r>
+            <a:r>
+              <a:rPr lang="en-US" dirty="0" smtClean="0"/>
+              <a:t>(</a:t>
+            </a:r>
+            <a:r>
+              <a:rPr lang="en-US" dirty="0" err="1" smtClean="0"/>
+              <a:t>Orig_Img</a:t>
+            </a:r>
+            <a:r>
+              <a:rPr lang="en-US" dirty="0" smtClean="0"/>
+              <a:t>))</a:t>
+            </a:r>
+          </a:p>
+          <a:p>
+            <a:pPr algn="ctr"/>
+            <a:endParaRPr lang="en-US" dirty="0"/>
+          </a:p>
+        </p:txBody>
+      </p:sp>
+      <p:sp>
+        <p:nvSpPr>
+          <p:cNvPr id="5" name="Rectangle 4"/>
+          <p:cNvSpPr/>
+          <p:nvPr/>
+        </p:nvSpPr>
+        <p:spPr>
+          <a:xfrm>
+            <a:off x="4662152" y="3876542"/>
+            <a:ext cx="4597758" cy="2009104"/>
+          </a:xfrm>
+          <a:prstGeom prst="rect">
+            <a:avLst/>
+          </a:prstGeom>
+        </p:spPr>
+        <p:style>
+          <a:lnRef idx="2">
+            <a:schemeClr val="accent6"/>
+          </a:lnRef>
+          <a:fillRef idx="1">
+            <a:schemeClr val="lt1"/>
+          </a:fillRef>
+          <a:effectRef idx="0">
+            <a:schemeClr val="accent6"/>
+          </a:effectRef>
+          <a:fontRef idx="minor">
+            <a:schemeClr val="dk1"/>
+          </a:fontRef>
+        </p:style>
+        <p:txBody>
+          <a:bodyPr rtlCol="0" anchor="ctr"/>
+          <a:lstStyle/>
+          <a:p>
+            <a:pPr lvl="1"/>
+            <a:r>
+              <a:rPr lang="en-US" u="sng" dirty="0" smtClean="0"/>
+              <a:t>Output:</a:t>
+            </a:r>
+          </a:p>
+          <a:p>
+            <a:pPr lvl="1"/>
+            <a:r>
+              <a:rPr lang="en-US" dirty="0" smtClean="0"/>
+              <a:t>35 </a:t>
+            </a:r>
+            <a:r>
+              <a:rPr lang="en-US" dirty="0"/>
+              <a:t>pairs have two-view models </a:t>
+            </a:r>
+          </a:p>
+          <a:p>
+            <a:pPr lvl="1"/>
+            <a:r>
+              <a:rPr lang="en-US" dirty="0" smtClean="0"/>
+              <a:t>47 </a:t>
+            </a:r>
+            <a:r>
+              <a:rPr lang="en-US" dirty="0"/>
+              <a:t>pairs have fundamental matrices</a:t>
+            </a:r>
+          </a:p>
+          <a:p>
+            <a:pPr lvl="1"/>
+            <a:r>
+              <a:rPr lang="en-US" dirty="0"/>
+              <a:t>6</a:t>
+            </a:r>
+            <a:r>
+              <a:rPr lang="en-US" dirty="0" smtClean="0"/>
+              <a:t> </a:t>
+            </a:r>
+            <a:r>
+              <a:rPr lang="en-US" dirty="0"/>
+              <a:t>cameras used for reconstruction</a:t>
+            </a:r>
+          </a:p>
+          <a:p>
+            <a:pPr lvl="1"/>
+            <a:r>
+              <a:rPr lang="en-US" dirty="0"/>
+              <a:t>Total </a:t>
+            </a:r>
+            <a:r>
+              <a:rPr lang="en-US" dirty="0" smtClean="0"/>
+              <a:t>4682 </a:t>
+            </a:r>
+            <a:r>
+              <a:rPr lang="en-US" dirty="0"/>
+              <a:t>3D vertices generated after Dense Reconstruction</a:t>
+            </a:r>
+          </a:p>
+        </p:txBody>
+      </p:sp>
+      <p:pic>
+        <p:nvPicPr>
+          <p:cNvPr id="8" name="Picture 7"/>
+          <p:cNvPicPr>
+            <a:picLocks noChangeAspect="1"/>
+          </p:cNvPicPr>
+          <p:nvPr/>
+        </p:nvPicPr>
+        <p:blipFill>
+          <a:blip r:embed="rId3"/>
+          <a:stretch>
+            <a:fillRect/>
+          </a:stretch>
+        </p:blipFill>
+        <p:spPr>
+          <a:xfrm>
+            <a:off x="9522262" y="3876541"/>
+            <a:ext cx="1633418" cy="2009105"/>
+          </a:xfrm>
+          <a:prstGeom prst="rect">
+            <a:avLst/>
+          </a:prstGeom>
+        </p:spPr>
+      </p:pic>
     </p:spTree>
     <p:extLst>
       <p:ext uri="{BB962C8B-B14F-4D97-AF65-F5344CB8AC3E}">
@@ -8460,6 +8771,665 @@
       </p:grpSpPr>
       <p:sp>
         <p:nvSpPr>
+          <p:cNvPr id="2" name="Content Placeholder 2"/>
+          <p:cNvSpPr txBox="1">
+            <a:spLocks/>
+          </p:cNvSpPr>
+          <p:nvPr/>
+        </p:nvSpPr>
+        <p:spPr>
+          <a:xfrm>
+            <a:off x="260152" y="261631"/>
+            <a:ext cx="10983103" cy="5907349"/>
+          </a:xfrm>
+          <a:prstGeom prst="rect">
+            <a:avLst/>
+          </a:prstGeom>
+        </p:spPr>
+        <p:txBody>
+          <a:bodyPr>
+            <a:normAutofit/>
+          </a:bodyPr>
+          <a:lstStyle>
+            <a:lvl1pPr marL="91440" indent="-91440" algn="l" defTabSz="914400" rtl="0" eaLnBrk="1" latinLnBrk="0" hangingPunct="1">
+              <a:lnSpc>
+                <a:spcPct val="90000"/>
+              </a:lnSpc>
+              <a:spcBef>
+                <a:spcPts val="1200"/>
+              </a:spcBef>
+              <a:spcAft>
+                <a:spcPts val="200"/>
+              </a:spcAft>
+              <a:buClr>
+                <a:schemeClr val="accent1"/>
+              </a:buClr>
+              <a:buSzPct val="100000"/>
+              <a:buFont typeface="Calibri" panose="020F0502020204030204" pitchFamily="34" charset="0"/>
+              <a:buChar char=" "/>
+              <a:defRPr sz="2000" kern="1200">
+                <a:solidFill>
+                  <a:schemeClr val="tx1">
+                    <a:lumMod val="75000"/>
+                    <a:lumOff val="25000"/>
+                  </a:schemeClr>
+                </a:solidFill>
+                <a:latin typeface="+mn-lt"/>
+                <a:ea typeface="+mn-ea"/>
+                <a:cs typeface="+mn-cs"/>
+              </a:defRPr>
+            </a:lvl1pPr>
+            <a:lvl2pPr marL="384048" indent="-182880" algn="l" defTabSz="914400" rtl="0" eaLnBrk="1" latinLnBrk="0" hangingPunct="1">
+              <a:lnSpc>
+                <a:spcPct val="90000"/>
+              </a:lnSpc>
+              <a:spcBef>
+                <a:spcPts val="200"/>
+              </a:spcBef>
+              <a:spcAft>
+                <a:spcPts val="400"/>
+              </a:spcAft>
+              <a:buClr>
+                <a:schemeClr val="accent1"/>
+              </a:buClr>
+              <a:buFont typeface="Calibri" pitchFamily="34" charset="0"/>
+              <a:buChar char="◦"/>
+              <a:defRPr sz="1800" kern="1200">
+                <a:solidFill>
+                  <a:schemeClr val="tx1">
+                    <a:lumMod val="75000"/>
+                    <a:lumOff val="25000"/>
+                  </a:schemeClr>
+                </a:solidFill>
+                <a:latin typeface="+mn-lt"/>
+                <a:ea typeface="+mn-ea"/>
+                <a:cs typeface="+mn-cs"/>
+              </a:defRPr>
+            </a:lvl2pPr>
+            <a:lvl3pPr marL="566928" indent="-182880" algn="l" defTabSz="914400" rtl="0" eaLnBrk="1" latinLnBrk="0" hangingPunct="1">
+              <a:lnSpc>
+                <a:spcPct val="90000"/>
+              </a:lnSpc>
+              <a:spcBef>
+                <a:spcPts val="200"/>
+              </a:spcBef>
+              <a:spcAft>
+                <a:spcPts val="400"/>
+              </a:spcAft>
+              <a:buClr>
+                <a:schemeClr val="accent1"/>
+              </a:buClr>
+              <a:buFont typeface="Calibri" pitchFamily="34" charset="0"/>
+              <a:buChar char="◦"/>
+              <a:defRPr sz="1400" kern="1200">
+                <a:solidFill>
+                  <a:schemeClr val="tx1">
+                    <a:lumMod val="75000"/>
+                    <a:lumOff val="25000"/>
+                  </a:schemeClr>
+                </a:solidFill>
+                <a:latin typeface="+mn-lt"/>
+                <a:ea typeface="+mn-ea"/>
+                <a:cs typeface="+mn-cs"/>
+              </a:defRPr>
+            </a:lvl3pPr>
+            <a:lvl4pPr marL="749808" indent="-182880" algn="l" defTabSz="914400" rtl="0" eaLnBrk="1" latinLnBrk="0" hangingPunct="1">
+              <a:lnSpc>
+                <a:spcPct val="90000"/>
+              </a:lnSpc>
+              <a:spcBef>
+                <a:spcPts val="200"/>
+              </a:spcBef>
+              <a:spcAft>
+                <a:spcPts val="400"/>
+              </a:spcAft>
+              <a:buClr>
+                <a:schemeClr val="accent1"/>
+              </a:buClr>
+              <a:buFont typeface="Calibri" pitchFamily="34" charset="0"/>
+              <a:buChar char="◦"/>
+              <a:defRPr sz="1400" kern="1200">
+                <a:solidFill>
+                  <a:schemeClr val="tx1">
+                    <a:lumMod val="75000"/>
+                    <a:lumOff val="25000"/>
+                  </a:schemeClr>
+                </a:solidFill>
+                <a:latin typeface="+mn-lt"/>
+                <a:ea typeface="+mn-ea"/>
+                <a:cs typeface="+mn-cs"/>
+              </a:defRPr>
+            </a:lvl4pPr>
+            <a:lvl5pPr marL="932688" indent="-182880" algn="l" defTabSz="914400" rtl="0" eaLnBrk="1" latinLnBrk="0" hangingPunct="1">
+              <a:lnSpc>
+                <a:spcPct val="90000"/>
+              </a:lnSpc>
+              <a:spcBef>
+                <a:spcPts val="200"/>
+              </a:spcBef>
+              <a:spcAft>
+                <a:spcPts val="400"/>
+              </a:spcAft>
+              <a:buClr>
+                <a:schemeClr val="accent1"/>
+              </a:buClr>
+              <a:buFont typeface="Calibri" pitchFamily="34" charset="0"/>
+              <a:buChar char="◦"/>
+              <a:defRPr sz="1400" kern="1200">
+                <a:solidFill>
+                  <a:schemeClr val="tx1">
+                    <a:lumMod val="75000"/>
+                    <a:lumOff val="25000"/>
+                  </a:schemeClr>
+                </a:solidFill>
+                <a:latin typeface="+mn-lt"/>
+                <a:ea typeface="+mn-ea"/>
+                <a:cs typeface="+mn-cs"/>
+              </a:defRPr>
+            </a:lvl5pPr>
+            <a:lvl6pPr marL="1100000" indent="-228600" algn="l" defTabSz="914400" rtl="0" eaLnBrk="1" latinLnBrk="0" hangingPunct="1">
+              <a:lnSpc>
+                <a:spcPct val="90000"/>
+              </a:lnSpc>
+              <a:spcBef>
+                <a:spcPts val="200"/>
+              </a:spcBef>
+              <a:spcAft>
+                <a:spcPts val="400"/>
+              </a:spcAft>
+              <a:buClr>
+                <a:schemeClr val="accent1"/>
+              </a:buClr>
+              <a:buFont typeface="Calibri" pitchFamily="34" charset="0"/>
+              <a:buChar char="◦"/>
+              <a:defRPr sz="1400" kern="1200">
+                <a:solidFill>
+                  <a:schemeClr val="tx1">
+                    <a:lumMod val="75000"/>
+                    <a:lumOff val="25000"/>
+                  </a:schemeClr>
+                </a:solidFill>
+                <a:latin typeface="+mn-lt"/>
+                <a:ea typeface="+mn-ea"/>
+                <a:cs typeface="+mn-cs"/>
+              </a:defRPr>
+            </a:lvl6pPr>
+            <a:lvl7pPr marL="1300000" indent="-228600" algn="l" defTabSz="914400" rtl="0" eaLnBrk="1" latinLnBrk="0" hangingPunct="1">
+              <a:lnSpc>
+                <a:spcPct val="90000"/>
+              </a:lnSpc>
+              <a:spcBef>
+                <a:spcPts val="200"/>
+              </a:spcBef>
+              <a:spcAft>
+                <a:spcPts val="400"/>
+              </a:spcAft>
+              <a:buClr>
+                <a:schemeClr val="accent1"/>
+              </a:buClr>
+              <a:buFont typeface="Calibri" pitchFamily="34" charset="0"/>
+              <a:buChar char="◦"/>
+              <a:defRPr sz="1400" kern="1200">
+                <a:solidFill>
+                  <a:schemeClr val="tx1">
+                    <a:lumMod val="75000"/>
+                    <a:lumOff val="25000"/>
+                  </a:schemeClr>
+                </a:solidFill>
+                <a:latin typeface="+mn-lt"/>
+                <a:ea typeface="+mn-ea"/>
+                <a:cs typeface="+mn-cs"/>
+              </a:defRPr>
+            </a:lvl7pPr>
+            <a:lvl8pPr marL="1500000" indent="-228600" algn="l" defTabSz="914400" rtl="0" eaLnBrk="1" latinLnBrk="0" hangingPunct="1">
+              <a:lnSpc>
+                <a:spcPct val="90000"/>
+              </a:lnSpc>
+              <a:spcBef>
+                <a:spcPts val="200"/>
+              </a:spcBef>
+              <a:spcAft>
+                <a:spcPts val="400"/>
+              </a:spcAft>
+              <a:buClr>
+                <a:schemeClr val="accent1"/>
+              </a:buClr>
+              <a:buFont typeface="Calibri" pitchFamily="34" charset="0"/>
+              <a:buChar char="◦"/>
+              <a:defRPr sz="1400" kern="1200">
+                <a:solidFill>
+                  <a:schemeClr val="tx1">
+                    <a:lumMod val="75000"/>
+                    <a:lumOff val="25000"/>
+                  </a:schemeClr>
+                </a:solidFill>
+                <a:latin typeface="+mn-lt"/>
+                <a:ea typeface="+mn-ea"/>
+                <a:cs typeface="+mn-cs"/>
+              </a:defRPr>
+            </a:lvl8pPr>
+            <a:lvl9pPr marL="1700000" indent="-228600" algn="l" defTabSz="914400" rtl="0" eaLnBrk="1" latinLnBrk="0" hangingPunct="1">
+              <a:lnSpc>
+                <a:spcPct val="90000"/>
+              </a:lnSpc>
+              <a:spcBef>
+                <a:spcPts val="200"/>
+              </a:spcBef>
+              <a:spcAft>
+                <a:spcPts val="400"/>
+              </a:spcAft>
+              <a:buClr>
+                <a:schemeClr val="accent1"/>
+              </a:buClr>
+              <a:buFont typeface="Calibri" pitchFamily="34" charset="0"/>
+              <a:buChar char="◦"/>
+              <a:defRPr sz="1400" kern="1200">
+                <a:solidFill>
+                  <a:schemeClr val="tx1">
+                    <a:lumMod val="75000"/>
+                    <a:lumOff val="25000"/>
+                  </a:schemeClr>
+                </a:solidFill>
+                <a:latin typeface="+mn-lt"/>
+                <a:ea typeface="+mn-ea"/>
+                <a:cs typeface="+mn-cs"/>
+              </a:defRPr>
+            </a:lvl9pPr>
+          </a:lstStyle>
+          <a:p>
+            <a:pPr lvl="1"/>
+            <a:r>
+              <a:rPr lang="en-US" sz="2000" dirty="0" smtClean="0"/>
+              <a:t>88 pairs have two-view models</a:t>
+            </a:r>
+          </a:p>
+          <a:p>
+            <a:pPr lvl="1"/>
+            <a:r>
+              <a:rPr lang="en-US" sz="2000" dirty="0" smtClean="0"/>
+              <a:t>209 pairs have fundamental matrices</a:t>
+            </a:r>
+          </a:p>
+          <a:p>
+            <a:pPr lvl="1"/>
+            <a:r>
+              <a:rPr lang="en-US" sz="2000" dirty="0" smtClean="0"/>
+              <a:t>14 cameras used for reconstruction</a:t>
+            </a:r>
+          </a:p>
+          <a:p>
+            <a:pPr lvl="1"/>
+            <a:r>
+              <a:rPr lang="en-US" sz="2000" dirty="0" smtClean="0"/>
+              <a:t>Total 5176 3D vertices generated after Dense Reconstruction</a:t>
+            </a:r>
+          </a:p>
+          <a:p>
+            <a:pPr marL="201168" lvl="1" indent="0">
+              <a:buNone/>
+            </a:pPr>
+            <a:endParaRPr lang="en-US" sz="2000" dirty="0"/>
+          </a:p>
+          <a:p>
+            <a:pPr marL="658368" lvl="1" indent="-457200">
+              <a:buFont typeface="+mj-lt"/>
+              <a:buAutoNum type="alphaLcParenR"/>
+            </a:pPr>
+            <a:endParaRPr lang="en-US" sz="2000" dirty="0" smtClean="0"/>
+          </a:p>
+          <a:p>
+            <a:pPr marL="658368" lvl="1" indent="-457200">
+              <a:buFont typeface="+mj-lt"/>
+              <a:buAutoNum type="alphaLcParenR"/>
+            </a:pPr>
+            <a:endParaRPr lang="en-US" sz="2000" dirty="0" smtClean="0"/>
+          </a:p>
+          <a:p>
+            <a:pPr marL="658368" lvl="1" indent="-457200">
+              <a:buFont typeface="+mj-lt"/>
+              <a:buAutoNum type="alphaLcParenR"/>
+            </a:pPr>
+            <a:endParaRPr lang="en-US" sz="2000" dirty="0" smtClean="0"/>
+          </a:p>
+          <a:p>
+            <a:pPr lvl="8"/>
+            <a:endParaRPr lang="en-US" sz="2000" dirty="0" smtClean="0"/>
+          </a:p>
+          <a:p>
+            <a:pPr marL="201168" lvl="1" indent="0">
+              <a:buFont typeface="Calibri" pitchFamily="34" charset="0"/>
+              <a:buNone/>
+            </a:pPr>
+            <a:endParaRPr lang="en-US" sz="2000" dirty="0" smtClean="0"/>
+          </a:p>
+          <a:p>
+            <a:pPr marL="201168" lvl="1" indent="0">
+              <a:buFont typeface="Calibri" pitchFamily="34" charset="0"/>
+              <a:buNone/>
+            </a:pPr>
+            <a:endParaRPr lang="en-US" sz="1900" dirty="0" smtClean="0"/>
+          </a:p>
+          <a:p>
+            <a:pPr marL="201168" lvl="1" indent="0">
+              <a:buFont typeface="Calibri" pitchFamily="34" charset="0"/>
+              <a:buNone/>
+            </a:pPr>
+            <a:endParaRPr lang="en-US" sz="1600" dirty="0" smtClean="0"/>
+          </a:p>
+          <a:p>
+            <a:pPr marL="201168" lvl="1" indent="0">
+              <a:buFont typeface="Calibri" pitchFamily="34" charset="0"/>
+              <a:buNone/>
+            </a:pPr>
+            <a:endParaRPr lang="en-US" sz="1600" dirty="0" smtClean="0"/>
+          </a:p>
+          <a:p>
+            <a:pPr marL="201168" lvl="1" indent="0">
+              <a:buFont typeface="Calibri" pitchFamily="34" charset="0"/>
+              <a:buNone/>
+            </a:pPr>
+            <a:endParaRPr lang="en-US" sz="1600" dirty="0" smtClean="0"/>
+          </a:p>
+          <a:p>
+            <a:pPr marL="201168" lvl="1" indent="0">
+              <a:buFont typeface="Calibri" pitchFamily="34" charset="0"/>
+              <a:buNone/>
+            </a:pPr>
+            <a:endParaRPr lang="en-US" sz="1600" dirty="0" smtClean="0"/>
+          </a:p>
+          <a:p>
+            <a:endParaRPr lang="en-US" dirty="0"/>
+          </a:p>
+        </p:txBody>
+      </p:sp>
+      <p:sp>
+        <p:nvSpPr>
+          <p:cNvPr id="4" name="Rectangle 3"/>
+          <p:cNvSpPr/>
+          <p:nvPr/>
+        </p:nvSpPr>
+        <p:spPr>
+          <a:xfrm>
+            <a:off x="8306872" y="2665831"/>
+            <a:ext cx="2936383" cy="1152736"/>
+          </a:xfrm>
+          <a:prstGeom prst="rect">
+            <a:avLst/>
+          </a:prstGeom>
+        </p:spPr>
+        <p:style>
+          <a:lnRef idx="2">
+            <a:schemeClr val="accent6"/>
+          </a:lnRef>
+          <a:fillRef idx="1">
+            <a:schemeClr val="lt1"/>
+          </a:fillRef>
+          <a:effectRef idx="0">
+            <a:schemeClr val="accent6"/>
+          </a:effectRef>
+          <a:fontRef idx="minor">
+            <a:schemeClr val="dk1"/>
+          </a:fontRef>
+        </p:style>
+        <p:txBody>
+          <a:bodyPr rtlCol="0" anchor="ctr"/>
+          <a:lstStyle/>
+          <a:p>
+            <a:pPr algn="ctr"/>
+            <a:endParaRPr lang="en-US" u="sng" dirty="0" smtClean="0"/>
+          </a:p>
+          <a:p>
+            <a:pPr algn="ctr"/>
+            <a:r>
+              <a:rPr lang="en-US" u="sng" dirty="0" smtClean="0"/>
+              <a:t>Input:</a:t>
+            </a:r>
+          </a:p>
+          <a:p>
+            <a:pPr algn="ctr"/>
+            <a:r>
+              <a:rPr lang="en-US" dirty="0" err="1" smtClean="0"/>
+              <a:t>Orig_Img</a:t>
+            </a:r>
+            <a:endParaRPr lang="en-US" dirty="0" smtClean="0"/>
+          </a:p>
+          <a:p>
+            <a:pPr algn="ctr"/>
+            <a:r>
+              <a:rPr lang="en-US" dirty="0" err="1"/>
+              <a:t>LaplacianUp</a:t>
+            </a:r>
+            <a:r>
+              <a:rPr lang="en-US" dirty="0"/>
+              <a:t>(</a:t>
+            </a:r>
+            <a:r>
+              <a:rPr lang="en-US" dirty="0" err="1"/>
+              <a:t>Orig_Img</a:t>
+            </a:r>
+            <a:r>
+              <a:rPr lang="en-US" dirty="0"/>
+              <a:t>))</a:t>
+            </a:r>
+            <a:endParaRPr lang="en-US" dirty="0" smtClean="0"/>
+          </a:p>
+          <a:p>
+            <a:pPr algn="ctr"/>
+            <a:r>
+              <a:rPr lang="en-US" dirty="0" smtClean="0"/>
+              <a:t>Flip(</a:t>
+            </a:r>
+            <a:r>
+              <a:rPr lang="en-US" dirty="0" err="1" smtClean="0"/>
+              <a:t>LaplacianUp</a:t>
+            </a:r>
+            <a:r>
+              <a:rPr lang="en-US" dirty="0" smtClean="0"/>
+              <a:t>(</a:t>
+            </a:r>
+            <a:r>
+              <a:rPr lang="en-US" dirty="0" err="1" smtClean="0"/>
+              <a:t>Orig_Img</a:t>
+            </a:r>
+            <a:r>
+              <a:rPr lang="en-US" dirty="0" smtClean="0"/>
+              <a:t>))</a:t>
+            </a:r>
+          </a:p>
+          <a:p>
+            <a:pPr algn="ctr"/>
+            <a:endParaRPr lang="en-US" dirty="0"/>
+          </a:p>
+        </p:txBody>
+      </p:sp>
+      <p:pic>
+        <p:nvPicPr>
+          <p:cNvPr id="5" name="Picture 4"/>
+          <p:cNvPicPr>
+            <a:picLocks noChangeAspect="1"/>
+          </p:cNvPicPr>
+          <p:nvPr/>
+        </p:nvPicPr>
+        <p:blipFill>
+          <a:blip r:embed="rId2"/>
+          <a:stretch>
+            <a:fillRect/>
+          </a:stretch>
+        </p:blipFill>
+        <p:spPr>
+          <a:xfrm>
+            <a:off x="8830368" y="261631"/>
+            <a:ext cx="1884855" cy="2125775"/>
+          </a:xfrm>
+          <a:prstGeom prst="rect">
+            <a:avLst/>
+          </a:prstGeom>
+        </p:spPr>
+      </p:pic>
+      <p:pic>
+        <p:nvPicPr>
+          <p:cNvPr id="6" name="Picture 5"/>
+          <p:cNvPicPr>
+            <a:picLocks noChangeAspect="1"/>
+          </p:cNvPicPr>
+          <p:nvPr/>
+        </p:nvPicPr>
+        <p:blipFill>
+          <a:blip r:embed="rId3"/>
+          <a:stretch>
+            <a:fillRect/>
+          </a:stretch>
+        </p:blipFill>
+        <p:spPr>
+          <a:xfrm>
+            <a:off x="616688" y="2096030"/>
+            <a:ext cx="2619048" cy="3247619"/>
+          </a:xfrm>
+          <a:prstGeom prst="rect">
+            <a:avLst/>
+          </a:prstGeom>
+        </p:spPr>
+      </p:pic>
+      <p:sp>
+        <p:nvSpPr>
+          <p:cNvPr id="8" name="Rectangle 7"/>
+          <p:cNvSpPr/>
+          <p:nvPr/>
+        </p:nvSpPr>
+        <p:spPr>
+          <a:xfrm>
+            <a:off x="3395152" y="2314428"/>
+            <a:ext cx="4752304" cy="2810821"/>
+          </a:xfrm>
+          <a:prstGeom prst="rect">
+            <a:avLst/>
+          </a:prstGeom>
+        </p:spPr>
+        <p:style>
+          <a:lnRef idx="2">
+            <a:schemeClr val="accent6"/>
+          </a:lnRef>
+          <a:fillRef idx="1">
+            <a:schemeClr val="lt1"/>
+          </a:fillRef>
+          <a:effectRef idx="0">
+            <a:schemeClr val="accent6"/>
+          </a:effectRef>
+          <a:fontRef idx="minor">
+            <a:schemeClr val="dk1"/>
+          </a:fontRef>
+        </p:style>
+        <p:txBody>
+          <a:bodyPr rtlCol="0" anchor="ctr"/>
+          <a:lstStyle/>
+          <a:p>
+            <a:r>
+              <a:rPr lang="en-US" dirty="0"/>
+              <a:t>It should be noted that adding of historical </a:t>
+            </a:r>
+          </a:p>
+          <a:p>
+            <a:r>
+              <a:rPr lang="en-US" dirty="0" smtClean="0"/>
+              <a:t>images </a:t>
+            </a:r>
+            <a:r>
+              <a:rPr lang="en-US" dirty="0"/>
+              <a:t>does not bring about much change</a:t>
+            </a:r>
+          </a:p>
+          <a:p>
+            <a:r>
+              <a:rPr lang="en-US" dirty="0"/>
+              <a:t>in the number of 3D vertices generated. </a:t>
+            </a:r>
+          </a:p>
+          <a:p>
+            <a:r>
+              <a:rPr lang="en-US" dirty="0"/>
+              <a:t>In fact the number of </a:t>
+            </a:r>
+            <a:r>
+              <a:rPr lang="en-US" dirty="0" smtClean="0"/>
+              <a:t>points </a:t>
+            </a:r>
+            <a:r>
+              <a:rPr lang="en-US" dirty="0"/>
+              <a:t>were more for the </a:t>
+            </a:r>
+          </a:p>
+          <a:p>
+            <a:r>
+              <a:rPr lang="en-US" dirty="0"/>
+              <a:t>recent images as compared to the combination of </a:t>
+            </a:r>
+            <a:r>
+              <a:rPr lang="en-US" dirty="0" smtClean="0"/>
+              <a:t>the </a:t>
+            </a:r>
+            <a:r>
+              <a:rPr lang="en-US" dirty="0"/>
+              <a:t>two. This occurs because many of the </a:t>
+            </a:r>
+            <a:r>
+              <a:rPr lang="en-US" dirty="0" smtClean="0"/>
+              <a:t>historical images </a:t>
+            </a:r>
+            <a:r>
+              <a:rPr lang="en-US" dirty="0"/>
+              <a:t>contribute less/none to the matching of key </a:t>
+            </a:r>
+            <a:r>
+              <a:rPr lang="en-US" dirty="0" smtClean="0"/>
+              <a:t>points. Hence</a:t>
+            </a:r>
+            <a:r>
+              <a:rPr lang="en-US" dirty="0"/>
+              <a:t>, a proper mechanism is needed to extract </a:t>
+            </a:r>
+            <a:r>
+              <a:rPr lang="en-US" dirty="0" smtClean="0"/>
+              <a:t>these points</a:t>
+            </a:r>
+            <a:r>
+              <a:rPr lang="en-US" dirty="0"/>
+              <a:t>.</a:t>
+            </a:r>
+          </a:p>
+        </p:txBody>
+      </p:sp>
+    </p:spTree>
+    <p:extLst>
+      <p:ext uri="{BB962C8B-B14F-4D97-AF65-F5344CB8AC3E}">
+        <p14:creationId xmlns:p14="http://schemas.microsoft.com/office/powerpoint/2010/main" val="3469648184"/>
+      </p:ext>
+    </p:extLst>
+  </p:cSld>
+  <p:clrMapOvr>
+    <a:masterClrMapping/>
+  </p:clrMapOvr>
+</p:sld>
+</file>
+
+<file path=ppt/slides/slide15.xml><?xml version="1.0" encoding="utf-8"?>
+<p:sld xmlns:a="http://schemas.openxmlformats.org/drawingml/2006/main" xmlns:r="http://schemas.openxmlformats.org/officeDocument/2006/relationships" xmlns:p="http://schemas.openxmlformats.org/presentationml/2006/main">
+  <p:cSld>
+    <p:spTree>
+      <p:nvGrpSpPr>
+        <p:cNvPr id="1" name=""/>
+        <p:cNvGrpSpPr/>
+        <p:nvPr/>
+      </p:nvGrpSpPr>
+      <p:grpSpPr>
+        <a:xfrm>
+          <a:off x="0" y="0"/>
+          <a:ext cx="0" cy="0"/>
+          <a:chOff x="0" y="0"/>
+          <a:chExt cx="0" cy="0"/>
+        </a:xfrm>
+      </p:grpSpPr>
+      <p:sp>
+        <p:nvSpPr>
           <p:cNvPr id="2" name="Title 1"/>
           <p:cNvSpPr>
             <a:spLocks noGrp="1"/>
@@ -8491,65 +9461,228 @@
             <p:ph idx="1"/>
           </p:nvPr>
         </p:nvSpPr>
-        <p:spPr/>
+        <p:spPr>
+          <a:xfrm>
+            <a:off x="1097280" y="1845733"/>
+            <a:ext cx="10058400" cy="4748249"/>
+          </a:xfrm>
+        </p:spPr>
         <p:txBody>
-          <a:bodyPr/>
+          <a:bodyPr>
+            <a:normAutofit/>
+          </a:bodyPr>
           <a:lstStyle/>
+          <a:p>
+            <a:pPr lvl="1">
+              <a:buFont typeface="Wingdings" panose="05000000000000000000" pitchFamily="2" charset="2"/>
+              <a:buChar char="v"/>
+            </a:pPr>
+            <a:r>
+              <a:rPr lang="en-US" sz="2000" dirty="0" smtClean="0"/>
+              <a:t>Train a </a:t>
+            </a:r>
+            <a:r>
+              <a:rPr lang="en-US" sz="2000" dirty="0" err="1" smtClean="0"/>
+              <a:t>HoG</a:t>
+            </a:r>
+            <a:r>
+              <a:rPr lang="en-US" sz="2000" dirty="0" smtClean="0"/>
+              <a:t> detector to detect Notre Dame de Paris. Also see if segregating the detected monument and segregating it into different parts and then matching those parts with dynamic resizing helps.</a:t>
+            </a:r>
+          </a:p>
+          <a:p>
+            <a:pPr lvl="1">
+              <a:buFont typeface="Wingdings" panose="05000000000000000000" pitchFamily="2" charset="2"/>
+              <a:buChar char="v"/>
+            </a:pPr>
+            <a:endParaRPr lang="en-US" sz="2000" dirty="0"/>
+          </a:p>
+          <a:p>
+            <a:pPr lvl="1">
+              <a:buFont typeface="Wingdings" panose="05000000000000000000" pitchFamily="2" charset="2"/>
+              <a:buChar char="v"/>
+            </a:pPr>
+            <a:endParaRPr lang="en-US" sz="2000" dirty="0" smtClean="0"/>
+          </a:p>
+          <a:p>
+            <a:pPr lvl="1">
+              <a:buFont typeface="Wingdings" panose="05000000000000000000" pitchFamily="2" charset="2"/>
+              <a:buChar char="v"/>
+            </a:pPr>
+            <a:endParaRPr lang="en-US" sz="2000" dirty="0"/>
+          </a:p>
+          <a:p>
+            <a:pPr lvl="1">
+              <a:buFont typeface="Wingdings" panose="05000000000000000000" pitchFamily="2" charset="2"/>
+              <a:buChar char="v"/>
+            </a:pPr>
+            <a:endParaRPr lang="en-US" sz="2000" dirty="0" smtClean="0"/>
+          </a:p>
+          <a:p>
+            <a:pPr lvl="1">
+              <a:buFont typeface="Wingdings" panose="05000000000000000000" pitchFamily="2" charset="2"/>
+              <a:buChar char="v"/>
+            </a:pPr>
+            <a:endParaRPr lang="en-US" sz="2000" dirty="0"/>
+          </a:p>
+          <a:p>
+            <a:pPr marL="201168" lvl="1" indent="0">
+              <a:buNone/>
+            </a:pPr>
+            <a:endParaRPr lang="en-US" sz="2000" dirty="0"/>
+          </a:p>
+          <a:p>
+            <a:pPr lvl="1">
+              <a:buFont typeface="Wingdings" panose="05000000000000000000" pitchFamily="2" charset="2"/>
+              <a:buChar char="v"/>
+            </a:pPr>
+            <a:r>
+              <a:rPr lang="en-US" sz="2000" dirty="0"/>
+              <a:t>Convert the dense reconstruction to a mesh</a:t>
+            </a:r>
+            <a:r>
+              <a:rPr lang="en-US" sz="2000" dirty="0" smtClean="0"/>
+              <a:t>.</a:t>
+            </a:r>
+          </a:p>
+          <a:p>
+            <a:pPr lvl="1">
+              <a:buFont typeface="Wingdings" panose="05000000000000000000" pitchFamily="2" charset="2"/>
+              <a:buChar char="v"/>
+            </a:pPr>
+            <a:r>
+              <a:rPr lang="en-US" sz="2000" dirty="0" smtClean="0"/>
+              <a:t>Better understand CMVS and PMVS, and read more on dense reconstruction. Also further understand the finer details of rendering transitions.</a:t>
+            </a:r>
+          </a:p>
+          <a:p>
+            <a:pPr lvl="1">
+              <a:buFont typeface="Wingdings" panose="05000000000000000000" pitchFamily="2" charset="2"/>
+              <a:buChar char="v"/>
+            </a:pPr>
+            <a:r>
+              <a:rPr lang="en-US" sz="2000" dirty="0"/>
+              <a:t>Compare the different 3D Point Clouds with that of a standard high res one of Notre Dame.</a:t>
+            </a:r>
+          </a:p>
+          <a:p>
+            <a:pPr lvl="1">
+              <a:buFont typeface="Wingdings" panose="05000000000000000000" pitchFamily="2" charset="2"/>
+              <a:buChar char="v"/>
+            </a:pPr>
+            <a:endParaRPr lang="en-US" sz="2000" dirty="0"/>
+          </a:p>
+          <a:p>
+            <a:pPr lvl="1">
+              <a:buFont typeface="Wingdings" panose="05000000000000000000" pitchFamily="2" charset="2"/>
+              <a:buChar char="v"/>
+            </a:pPr>
+            <a:endParaRPr lang="en-US" sz="2000" dirty="0" smtClean="0"/>
+          </a:p>
           <a:p>
             <a:pPr marL="457200" indent="-457200">
               <a:buFont typeface="+mj-lt"/>
               <a:buAutoNum type="arabicPeriod"/>
             </a:pPr>
-            <a:r>
-              <a:rPr lang="en-US" dirty="0" smtClean="0"/>
-              <a:t>Train a </a:t>
-            </a:r>
-            <a:r>
-              <a:rPr lang="en-US" dirty="0" err="1" smtClean="0"/>
-              <a:t>HoG</a:t>
-            </a:r>
-            <a:r>
-              <a:rPr lang="en-US" dirty="0" smtClean="0"/>
-              <a:t> detector to detect Notre Dame de Paris.</a:t>
-            </a:r>
+            <a:endParaRPr lang="en-US" dirty="0" smtClean="0"/>
           </a:p>
           <a:p>
             <a:pPr marL="457200" indent="-457200">
               <a:buFont typeface="+mj-lt"/>
               <a:buAutoNum type="arabicPeriod"/>
             </a:pPr>
-            <a:r>
-              <a:rPr lang="en-US" dirty="0" smtClean="0"/>
-              <a:t>Convert the dense reconstruction to a mesh.</a:t>
-            </a:r>
+            <a:endParaRPr lang="en-US" dirty="0"/>
           </a:p>
           <a:p>
             <a:pPr marL="457200" indent="-457200">
               <a:buFont typeface="+mj-lt"/>
               <a:buAutoNum type="arabicPeriod"/>
             </a:pPr>
+            <a:endParaRPr lang="en-US" dirty="0" smtClean="0"/>
+          </a:p>
+          <a:p>
+            <a:pPr marL="0" indent="0">
+              <a:buNone/>
+            </a:pPr>
+            <a:endParaRPr lang="en-US" dirty="0" smtClean="0"/>
+          </a:p>
+        </p:txBody>
+      </p:sp>
+      <p:pic>
+        <p:nvPicPr>
+          <p:cNvPr id="4" name="Picture 3"/>
+          <p:cNvPicPr>
+            <a:picLocks noChangeAspect="1"/>
+          </p:cNvPicPr>
+          <p:nvPr/>
+        </p:nvPicPr>
+        <p:blipFill>
+          <a:blip r:embed="rId2"/>
+          <a:stretch>
+            <a:fillRect/>
+          </a:stretch>
+        </p:blipFill>
+        <p:spPr>
+          <a:xfrm>
+            <a:off x="1584395" y="2838366"/>
+            <a:ext cx="1476190" cy="2038095"/>
+          </a:xfrm>
+          <a:prstGeom prst="rect">
+            <a:avLst/>
+          </a:prstGeom>
+        </p:spPr>
+      </p:pic>
+      <p:pic>
+        <p:nvPicPr>
+          <p:cNvPr id="5" name="Picture 4"/>
+          <p:cNvPicPr>
+            <a:picLocks noChangeAspect="1"/>
+          </p:cNvPicPr>
+          <p:nvPr/>
+        </p:nvPicPr>
+        <p:blipFill>
+          <a:blip r:embed="rId3"/>
+          <a:stretch>
+            <a:fillRect/>
+          </a:stretch>
+        </p:blipFill>
+        <p:spPr>
+          <a:xfrm>
+            <a:off x="3313954" y="3143127"/>
+            <a:ext cx="2009524" cy="1428571"/>
+          </a:xfrm>
+          <a:prstGeom prst="rect">
+            <a:avLst/>
+          </a:prstGeom>
+        </p:spPr>
+      </p:pic>
+      <p:sp>
+        <p:nvSpPr>
+          <p:cNvPr id="6" name="TextBox 5"/>
+          <p:cNvSpPr txBox="1"/>
+          <p:nvPr/>
+        </p:nvSpPr>
+        <p:spPr>
+          <a:xfrm>
+            <a:off x="6126480" y="3143127"/>
+            <a:ext cx="4241013" cy="1477328"/>
+          </a:xfrm>
+          <a:prstGeom prst="rect">
+            <a:avLst/>
+          </a:prstGeom>
+          <a:noFill/>
+        </p:spPr>
+        <p:txBody>
+          <a:bodyPr wrap="square" rtlCol="0">
+            <a:spAutoFit/>
+          </a:bodyPr>
+          <a:lstStyle/>
+          <a:p>
             <a:r>
               <a:rPr lang="en-US" dirty="0" smtClean="0"/>
-              <a:t>Use </a:t>
-            </a:r>
-            <a:r>
-              <a:rPr lang="en-US" dirty="0" err="1" smtClean="0"/>
-              <a:t>OpenMVG</a:t>
-            </a:r>
-            <a:r>
-              <a:rPr lang="en-US" dirty="0" smtClean="0"/>
-              <a:t> to further understand the various types of SFM solving methods.</a:t>
-            </a:r>
-          </a:p>
-          <a:p>
-            <a:pPr marL="457200" indent="-457200">
-              <a:buFont typeface="+mj-lt"/>
-              <a:buAutoNum type="arabicPeriod"/>
-            </a:pPr>
-            <a:r>
-              <a:rPr lang="en-US" dirty="0" smtClean="0"/>
-              <a:t>Compare the different 3D Point Clouds with that of a standard high res one of Notre Dame.</a:t>
-            </a:r>
+              <a:t>The motivation for this is that even though better details can be obtained from the pictures only containing some parts, adequate feature matching does not occur between them.</a:t>
+            </a:r>
+            <a:endParaRPr lang="en-US" dirty="0"/>
           </a:p>
         </p:txBody>
       </p:sp>
@@ -8566,7 +9699,238 @@
 </p:sld>
 </file>
 
-<file path=ppt/slides/slide15.xml><?xml version="1.0" encoding="utf-8"?>
+<file path=ppt/slides/slide16.xml><?xml version="1.0" encoding="utf-8"?>
+<p:sld xmlns:a="http://schemas.openxmlformats.org/drawingml/2006/main" xmlns:r="http://schemas.openxmlformats.org/officeDocument/2006/relationships" xmlns:p="http://schemas.openxmlformats.org/presentationml/2006/main">
+  <p:cSld>
+    <p:spTree>
+      <p:nvGrpSpPr>
+        <p:cNvPr id="1" name=""/>
+        <p:cNvGrpSpPr/>
+        <p:nvPr/>
+      </p:nvGrpSpPr>
+      <p:grpSpPr>
+        <a:xfrm>
+          <a:off x="0" y="0"/>
+          <a:ext cx="0" cy="0"/>
+          <a:chOff x="0" y="0"/>
+          <a:chExt cx="0" cy="0"/>
+        </a:xfrm>
+      </p:grpSpPr>
+      <p:sp>
+        <p:nvSpPr>
+          <p:cNvPr id="2" name="Title 1"/>
+          <p:cNvSpPr>
+            <a:spLocks noGrp="1"/>
+          </p:cNvSpPr>
+          <p:nvPr>
+            <p:ph type="title"/>
+          </p:nvPr>
+        </p:nvSpPr>
+        <p:spPr/>
+        <p:txBody>
+          <a:bodyPr/>
+          <a:lstStyle/>
+          <a:p>
+            <a:r>
+              <a:rPr lang="en-US" dirty="0" smtClean="0"/>
+              <a:t>To do list</a:t>
+            </a:r>
+            <a:endParaRPr lang="en-US" dirty="0"/>
+          </a:p>
+        </p:txBody>
+      </p:sp>
+      <p:sp>
+        <p:nvSpPr>
+          <p:cNvPr id="3" name="Content Placeholder 2"/>
+          <p:cNvSpPr>
+            <a:spLocks noGrp="1"/>
+          </p:cNvSpPr>
+          <p:nvPr>
+            <p:ph idx="1"/>
+          </p:nvPr>
+        </p:nvSpPr>
+        <p:spPr>
+          <a:xfrm>
+            <a:off x="1097280" y="1897249"/>
+            <a:ext cx="10058400" cy="4023360"/>
+          </a:xfrm>
+        </p:spPr>
+        <p:txBody>
+          <a:bodyPr>
+            <a:normAutofit/>
+          </a:bodyPr>
+          <a:lstStyle/>
+          <a:p>
+            <a:pPr>
+              <a:buFont typeface="Wingdings" panose="05000000000000000000" pitchFamily="2" charset="2"/>
+              <a:buChar char="v"/>
+            </a:pPr>
+            <a:r>
+              <a:rPr lang="en-US" dirty="0" smtClean="0"/>
+              <a:t>Use </a:t>
+            </a:r>
+            <a:r>
+              <a:rPr lang="en-US" dirty="0" err="1"/>
+              <a:t>OpenMVG</a:t>
+            </a:r>
+            <a:r>
+              <a:rPr lang="en-US" dirty="0"/>
+              <a:t> to further understand the various types of SFM solving methods</a:t>
+            </a:r>
+            <a:r>
+              <a:rPr lang="en-US" dirty="0" smtClean="0"/>
+              <a:t>. Also see if using SURF/ORB and a better feature matching algorithm gives a better result. This can’t be tested on </a:t>
+            </a:r>
+            <a:r>
+              <a:rPr lang="en-US" dirty="0" err="1" smtClean="0"/>
+              <a:t>VisualSFM</a:t>
+            </a:r>
+            <a:r>
+              <a:rPr lang="en-US" dirty="0" smtClean="0"/>
+              <a:t> as it requires SIFT key points.</a:t>
+            </a:r>
+          </a:p>
+          <a:p>
+            <a:pPr>
+              <a:buFont typeface="Wingdings" panose="05000000000000000000" pitchFamily="2" charset="2"/>
+              <a:buChar char="v"/>
+            </a:pPr>
+            <a:r>
+              <a:rPr lang="en-US" dirty="0" smtClean="0"/>
+              <a:t>See if symmetry of the detected building can be exploited for a better reconstruction. For example:</a:t>
+            </a:r>
+          </a:p>
+          <a:p>
+            <a:pPr marL="0" indent="0">
+              <a:buNone/>
+            </a:pPr>
+            <a:endParaRPr lang="en-US" dirty="0"/>
+          </a:p>
+        </p:txBody>
+      </p:sp>
+      <p:pic>
+        <p:nvPicPr>
+          <p:cNvPr id="5" name="Picture 4"/>
+          <p:cNvPicPr>
+            <a:picLocks noChangeAspect="1"/>
+          </p:cNvPicPr>
+          <p:nvPr/>
+        </p:nvPicPr>
+        <p:blipFill>
+          <a:blip r:embed="rId2"/>
+          <a:stretch>
+            <a:fillRect/>
+          </a:stretch>
+        </p:blipFill>
+        <p:spPr>
+          <a:xfrm>
+            <a:off x="1097280" y="3615136"/>
+            <a:ext cx="2153940" cy="2305473"/>
+          </a:xfrm>
+          <a:prstGeom prst="rect">
+            <a:avLst/>
+          </a:prstGeom>
+        </p:spPr>
+      </p:pic>
+      <p:pic>
+        <p:nvPicPr>
+          <p:cNvPr id="8" name="Picture 7"/>
+          <p:cNvPicPr>
+            <a:picLocks noChangeAspect="1"/>
+          </p:cNvPicPr>
+          <p:nvPr/>
+        </p:nvPicPr>
+        <p:blipFill>
+          <a:blip r:embed="rId3"/>
+          <a:stretch>
+            <a:fillRect/>
+          </a:stretch>
+        </p:blipFill>
+        <p:spPr>
+          <a:xfrm>
+            <a:off x="3537666" y="3615136"/>
+            <a:ext cx="1562100" cy="2143125"/>
+          </a:xfrm>
+          <a:prstGeom prst="rect">
+            <a:avLst/>
+          </a:prstGeom>
+        </p:spPr>
+      </p:pic>
+      <p:sp>
+        <p:nvSpPr>
+          <p:cNvPr id="9" name="TextBox 8"/>
+          <p:cNvSpPr txBox="1"/>
+          <p:nvPr/>
+        </p:nvSpPr>
+        <p:spPr>
+          <a:xfrm>
+            <a:off x="5386212" y="3812147"/>
+            <a:ext cx="6164123" cy="1477328"/>
+          </a:xfrm>
+          <a:prstGeom prst="rect">
+            <a:avLst/>
+          </a:prstGeom>
+          <a:noFill/>
+        </p:spPr>
+        <p:txBody>
+          <a:bodyPr wrap="none" rtlCol="0">
+            <a:spAutoFit/>
+          </a:bodyPr>
+          <a:lstStyle/>
+          <a:p>
+            <a:r>
+              <a:rPr lang="en-US" dirty="0" smtClean="0"/>
+              <a:t>It is evident that the right tower of the cathedral </a:t>
+            </a:r>
+          </a:p>
+          <a:p>
+            <a:r>
+              <a:rPr lang="en-US" dirty="0"/>
+              <a:t>g</a:t>
+            </a:r>
+            <a:r>
+              <a:rPr lang="en-US" dirty="0" smtClean="0"/>
+              <a:t>ives better results than the left and lower left part of </a:t>
+            </a:r>
+          </a:p>
+          <a:p>
+            <a:r>
+              <a:rPr lang="en-US" dirty="0" smtClean="0"/>
+              <a:t>the Notre Dame gives better results than that of the right.</a:t>
+            </a:r>
+          </a:p>
+          <a:p>
+            <a:r>
+              <a:rPr lang="en-US" dirty="0" smtClean="0"/>
+              <a:t>Therefore, it would be interesting to see if we can combine and </a:t>
+            </a:r>
+          </a:p>
+          <a:p>
+            <a:r>
+              <a:rPr lang="en-US" dirty="0"/>
+              <a:t>m</a:t>
+            </a:r>
+            <a:r>
+              <a:rPr lang="en-US" dirty="0" smtClean="0"/>
+              <a:t>utually rectify both of them based on their symmetry. </a:t>
+            </a:r>
+          </a:p>
+        </p:txBody>
+      </p:sp>
+    </p:spTree>
+    <p:extLst>
+      <p:ext uri="{BB962C8B-B14F-4D97-AF65-F5344CB8AC3E}">
+        <p14:creationId xmlns:p14="http://schemas.microsoft.com/office/powerpoint/2010/main" val="1108694730"/>
+      </p:ext>
+    </p:extLst>
+  </p:cSld>
+  <p:clrMapOvr>
+    <a:masterClrMapping/>
+  </p:clrMapOvr>
+</p:sld>
+</file>
+
+<file path=ppt/slides/slide17.xml><?xml version="1.0" encoding="utf-8"?>
 <p:sld xmlns:a="http://schemas.openxmlformats.org/drawingml/2006/main" xmlns:r="http://schemas.openxmlformats.org/officeDocument/2006/relationships" xmlns:p="http://schemas.openxmlformats.org/presentationml/2006/main">
   <p:cSld>
     <p:spTree>
@@ -8917,7 +10281,15 @@
             </a:r>
             <a:r>
               <a:rPr lang="en-US" dirty="0" smtClean="0"/>
-              <a:t> methods currently available use only stereo methods for 3D reconstruction using epipolar geometry techniques to generate depth maps. </a:t>
+              <a:t> methods currently available use only </a:t>
+            </a:r>
+            <a:r>
+              <a:rPr lang="en-US" dirty="0" smtClean="0"/>
+              <a:t>stereo block matching methods </a:t>
+            </a:r>
+            <a:r>
+              <a:rPr lang="en-US" dirty="0" smtClean="0"/>
+              <a:t>for 3D reconstruction using epipolar geometry techniques to generate depth maps. </a:t>
             </a:r>
           </a:p>
         </p:txBody>
@@ -10266,7 +11638,15 @@
             </a:r>
             <a:r>
               <a:rPr lang="en-US" dirty="0" smtClean="0"/>
-              <a:t> module only supports 3D reconstruction using disparity maps from stereo left and right images and require the images to be the same sizes. Although the images can be resized, it leads to considerable loss of information and aspect ration for low resolution images. It use Block Matching Algorithm instead of a feature matching one.</a:t>
+              <a:t> module only supports 3D reconstruction using disparity maps from stereo left and right images and require the images to be the same sizes. Although the images can be resized, it leads to considerable loss of information and aspect </a:t>
+            </a:r>
+            <a:r>
+              <a:rPr lang="en-US" dirty="0" smtClean="0"/>
+              <a:t>ratio </a:t>
+            </a:r>
+            <a:r>
+              <a:rPr lang="en-US" dirty="0" smtClean="0"/>
+              <a:t>for low resolution images. It use Block Matching Algorithm instead of a feature matching one.</a:t>
             </a:r>
           </a:p>
           <a:p>
@@ -10399,11 +11779,7 @@
             </a:r>
             <a:r>
               <a:rPr lang="en-US" dirty="0" smtClean="0"/>
-              <a:t> and </a:t>
-            </a:r>
-            <a:r>
-              <a:rPr lang="en-US" dirty="0" smtClean="0"/>
-              <a:t>CMVS</a:t>
+              <a:t> and CMVS</a:t>
             </a:r>
             <a:endParaRPr lang="en-US" dirty="0"/>
           </a:p>
@@ -10446,11 +11822,7 @@
             </a:r>
             <a:r>
               <a:rPr lang="en-US" dirty="0" smtClean="0"/>
-              <a:t> </a:t>
-            </a:r>
-            <a:r>
-              <a:rPr lang="en-US" dirty="0" smtClean="0"/>
-              <a:t>for dense reconstruction – using </a:t>
+              <a:t> for dense reconstruction – using </a:t>
             </a:r>
             <a:r>
               <a:rPr lang="en-US" dirty="0" err="1" smtClean="0"/>
@@ -10584,7 +11956,6 @@
               <a:rPr lang="en-US" sz="1900" dirty="0" smtClean="0"/>
               <a:t>1 model generated</a:t>
             </a:r>
-            <a:endParaRPr lang="en-US" sz="1900" dirty="0" smtClean="0"/>
           </a:p>
           <a:p>
             <a:pPr lvl="1">
@@ -10938,11 +12309,7 @@
           <a:p>
             <a:r>
               <a:rPr lang="en-US" dirty="0" smtClean="0"/>
-              <a:t>Attempt 1 – </a:t>
-            </a:r>
-            <a:r>
-              <a:rPr lang="en-US" dirty="0" smtClean="0"/>
-              <a:t>Continued</a:t>
+              <a:t>Attempt 1 – Continued</a:t>
             </a:r>
             <a:endParaRPr lang="en-US" dirty="0"/>
           </a:p>
